--- a/Ad-Clicked Web-Dataset/Ad-Clicking.pptx
+++ b/Ad-Clicked Web-Dataset/Ad-Clicking.pptx
@@ -15,11 +15,12 @@
     <p:sldId id="269" r:id="rId9"/>
     <p:sldId id="260" r:id="rId10"/>
     <p:sldId id="261" r:id="rId11"/>
-    <p:sldId id="262" r:id="rId12"/>
-    <p:sldId id="265" r:id="rId13"/>
-    <p:sldId id="266" r:id="rId14"/>
-    <p:sldId id="263" r:id="rId15"/>
-    <p:sldId id="264" r:id="rId16"/>
+    <p:sldId id="272" r:id="rId12"/>
+    <p:sldId id="262" r:id="rId13"/>
+    <p:sldId id="265" r:id="rId14"/>
+    <p:sldId id="266" r:id="rId15"/>
+    <p:sldId id="263" r:id="rId16"/>
+    <p:sldId id="264" r:id="rId17"/>
   </p:sldIdLst>
   <p:sldSz cx="12192000" cy="6858000"/>
   <p:notesSz cx="6858000" cy="9144000"/>
@@ -127,15 +128,15 @@
 </file>
 
 <file path=ppt/diagrams/colors1.xml><?xml version="1.0" encoding="utf-8"?>
-<dgm:colorsDef xmlns:dgm="http://schemas.openxmlformats.org/drawingml/2006/diagram" xmlns:a="http://schemas.openxmlformats.org/drawingml/2006/main" uniqueId="urn:microsoft.com/office/officeart/2005/8/colors/colorful5">
+<dgm:colorsDef xmlns:dgm="http://schemas.openxmlformats.org/drawingml/2006/diagram" xmlns:a="http://schemas.openxmlformats.org/drawingml/2006/main" uniqueId="urn:microsoft.com/office/officeart/2005/8/colors/colorful2">
   <dgm:title val=""/>
   <dgm:desc val=""/>
   <dgm:catLst>
-    <dgm:cat type="colorful" pri="10500"/>
+    <dgm:cat type="colorful" pri="10200"/>
   </dgm:catLst>
   <dgm:styleLbl name="node0">
     <dgm:fillClrLst meth="repeat">
-      <a:schemeClr val="accent4"/>
+      <a:schemeClr val="accent1"/>
     </dgm:fillClrLst>
     <dgm:linClrLst meth="repeat">
       <a:schemeClr val="lt1"/>
@@ -147,8 +148,8 @@
   </dgm:styleLbl>
   <dgm:styleLbl name="node1">
     <dgm:fillClrLst>
-      <a:schemeClr val="accent5"/>
-      <a:schemeClr val="accent6"/>
+      <a:schemeClr val="accent2"/>
+      <a:schemeClr val="accent3"/>
     </dgm:fillClrLst>
     <dgm:linClrLst meth="repeat">
       <a:schemeClr val="lt1"/>
@@ -160,12 +161,12 @@
   </dgm:styleLbl>
   <dgm:styleLbl name="alignNode1">
     <dgm:fillClrLst>
-      <a:schemeClr val="accent5"/>
-      <a:schemeClr val="accent6"/>
+      <a:schemeClr val="accent2"/>
+      <a:schemeClr val="accent3"/>
     </dgm:fillClrLst>
     <dgm:linClrLst>
-      <a:schemeClr val="accent5"/>
-      <a:schemeClr val="accent6"/>
+      <a:schemeClr val="accent2"/>
+      <a:schemeClr val="accent3"/>
     </dgm:linClrLst>
     <dgm:effectClrLst/>
     <dgm:txLinClrLst/>
@@ -174,8 +175,8 @@
   </dgm:styleLbl>
   <dgm:styleLbl name="lnNode1">
     <dgm:fillClrLst>
-      <a:schemeClr val="accent5"/>
-      <a:schemeClr val="accent6"/>
+      <a:schemeClr val="accent2"/>
+      <a:schemeClr val="accent3"/>
     </dgm:fillClrLst>
     <dgm:linClrLst meth="repeat">
       <a:schemeClr val="lt1"/>
@@ -187,10 +188,10 @@
   </dgm:styleLbl>
   <dgm:styleLbl name="vennNode1">
     <dgm:fillClrLst>
-      <a:schemeClr val="accent5">
+      <a:schemeClr val="accent2">
         <a:alpha val="50000"/>
       </a:schemeClr>
-      <a:schemeClr val="accent6">
+      <a:schemeClr val="accent3">
         <a:alpha val="50000"/>
       </a:schemeClr>
     </dgm:fillClrLst>
@@ -204,7 +205,7 @@
   </dgm:styleLbl>
   <dgm:styleLbl name="node2">
     <dgm:fillClrLst>
-      <a:schemeClr val="accent6"/>
+      <a:schemeClr val="accent3"/>
     </dgm:fillClrLst>
     <dgm:linClrLst meth="repeat">
       <a:schemeClr val="lt1"/>
@@ -216,7 +217,7 @@
   </dgm:styleLbl>
   <dgm:styleLbl name="node3">
     <dgm:fillClrLst>
-      <a:schemeClr val="accent1"/>
+      <a:schemeClr val="accent4"/>
     </dgm:fillClrLst>
     <dgm:linClrLst meth="repeat">
       <a:schemeClr val="lt1"/>
@@ -228,7 +229,7 @@
   </dgm:styleLbl>
   <dgm:styleLbl name="node4">
     <dgm:fillClrLst>
-      <a:schemeClr val="accent2"/>
+      <a:schemeClr val="accent5"/>
     </dgm:fillClrLst>
     <dgm:linClrLst meth="repeat">
       <a:schemeClr val="lt1"/>
@@ -240,10 +241,10 @@
   </dgm:styleLbl>
   <dgm:styleLbl name="fgImgPlace1">
     <dgm:fillClrLst>
-      <a:schemeClr val="accent5">
+      <a:schemeClr val="accent2">
         <a:tint val="50000"/>
       </a:schemeClr>
-      <a:schemeClr val="accent6">
+      <a:schemeClr val="accent3">
         <a:tint val="50000"/>
       </a:schemeClr>
     </dgm:fillClrLst>
@@ -259,10 +260,10 @@
   </dgm:styleLbl>
   <dgm:styleLbl name="alignImgPlace1">
     <dgm:fillClrLst>
-      <a:schemeClr val="accent5">
+      <a:schemeClr val="accent2">
         <a:tint val="50000"/>
       </a:schemeClr>
-      <a:schemeClr val="accent6">
+      <a:schemeClr val="accent3">
         <a:tint val="20000"/>
       </a:schemeClr>
     </dgm:fillClrLst>
@@ -278,10 +279,10 @@
   </dgm:styleLbl>
   <dgm:styleLbl name="bgImgPlace1">
     <dgm:fillClrLst>
-      <a:schemeClr val="accent5">
+      <a:schemeClr val="accent2">
         <a:tint val="50000"/>
       </a:schemeClr>
-      <a:schemeClr val="accent6">
+      <a:schemeClr val="accent3">
         <a:tint val="20000"/>
       </a:schemeClr>
     </dgm:fillClrLst>
@@ -297,8 +298,8 @@
   </dgm:styleLbl>
   <dgm:styleLbl name="sibTrans2D1">
     <dgm:fillClrLst>
-      <a:schemeClr val="accent5"/>
-      <a:schemeClr val="accent6"/>
+      <a:schemeClr val="accent2"/>
+      <a:schemeClr val="accent3"/>
     </dgm:fillClrLst>
     <dgm:linClrLst meth="repeat">
       <a:schemeClr val="lt1"/>
@@ -310,8 +311,8 @@
   </dgm:styleLbl>
   <dgm:styleLbl name="fgSibTrans2D1">
     <dgm:fillClrLst>
-      <a:schemeClr val="accent5"/>
-      <a:schemeClr val="accent6"/>
+      <a:schemeClr val="accent2"/>
+      <a:schemeClr val="accent3"/>
     </dgm:fillClrLst>
     <dgm:linClrLst meth="repeat">
       <a:schemeClr val="lt1"/>
@@ -325,8 +326,8 @@
   </dgm:styleLbl>
   <dgm:styleLbl name="bgSibTrans2D1">
     <dgm:fillClrLst>
-      <a:schemeClr val="accent5"/>
-      <a:schemeClr val="accent6"/>
+      <a:schemeClr val="accent2"/>
+      <a:schemeClr val="accent3"/>
     </dgm:fillClrLst>
     <dgm:linClrLst meth="repeat">
       <a:schemeClr val="lt1"/>
@@ -341,8 +342,8 @@
   <dgm:styleLbl name="sibTrans1D1">
     <dgm:fillClrLst/>
     <dgm:linClrLst>
-      <a:schemeClr val="accent5"/>
-      <a:schemeClr val="accent6"/>
+      <a:schemeClr val="accent2"/>
+      <a:schemeClr val="accent3"/>
     </dgm:linClrLst>
     <dgm:effectClrLst/>
     <dgm:txLinClrLst/>
@@ -353,10 +354,10 @@
   </dgm:styleLbl>
   <dgm:styleLbl name="callout">
     <dgm:fillClrLst meth="repeat">
-      <a:schemeClr val="accent5"/>
+      <a:schemeClr val="accent2"/>
     </dgm:fillClrLst>
     <dgm:linClrLst meth="repeat">
-      <a:schemeClr val="accent5">
+      <a:schemeClr val="accent2">
         <a:tint val="50000"/>
       </a:schemeClr>
     </dgm:linClrLst>
@@ -369,7 +370,7 @@
   </dgm:styleLbl>
   <dgm:styleLbl name="asst0">
     <dgm:fillClrLst meth="repeat">
-      <a:schemeClr val="accent5"/>
+      <a:schemeClr val="accent2"/>
     </dgm:fillClrLst>
     <dgm:linClrLst meth="repeat">
       <a:schemeClr val="lt1">
@@ -383,7 +384,7 @@
   </dgm:styleLbl>
   <dgm:styleLbl name="asst1">
     <dgm:fillClrLst meth="repeat">
-      <a:schemeClr val="accent6"/>
+      <a:schemeClr val="accent3"/>
     </dgm:fillClrLst>
     <dgm:linClrLst meth="repeat">
       <a:schemeClr val="lt1">
@@ -397,7 +398,7 @@
   </dgm:styleLbl>
   <dgm:styleLbl name="asst2">
     <dgm:fillClrLst>
-      <a:schemeClr val="accent1"/>
+      <a:schemeClr val="accent4"/>
     </dgm:fillClrLst>
     <dgm:linClrLst meth="repeat">
       <a:schemeClr val="lt1"/>
@@ -409,7 +410,7 @@
   </dgm:styleLbl>
   <dgm:styleLbl name="asst3">
     <dgm:fillClrLst>
-      <a:schemeClr val="accent2"/>
+      <a:schemeClr val="accent5"/>
     </dgm:fillClrLst>
     <dgm:linClrLst meth="repeat">
       <a:schemeClr val="lt1"/>
@@ -421,6 +422,32 @@
   </dgm:styleLbl>
   <dgm:styleLbl name="asst4">
     <dgm:fillClrLst>
+      <a:schemeClr val="accent6"/>
+    </dgm:fillClrLst>
+    <dgm:linClrLst meth="repeat">
+      <a:schemeClr val="lt1"/>
+    </dgm:linClrLst>
+    <dgm:effectClrLst/>
+    <dgm:txLinClrLst/>
+    <dgm:txFillClrLst/>
+    <dgm:txEffectClrLst/>
+  </dgm:styleLbl>
+  <dgm:styleLbl name="parChTrans2D1">
+    <dgm:fillClrLst meth="repeat">
+      <a:schemeClr val="accent2"/>
+    </dgm:fillClrLst>
+    <dgm:linClrLst meth="repeat">
+      <a:schemeClr val="lt1"/>
+    </dgm:linClrLst>
+    <dgm:effectClrLst/>
+    <dgm:txLinClrLst/>
+    <dgm:txFillClrLst meth="repeat">
+      <a:schemeClr val="lt1"/>
+    </dgm:txFillClrLst>
+    <dgm:txEffectClrLst/>
+  </dgm:styleLbl>
+  <dgm:styleLbl name="parChTrans2D2">
+    <dgm:fillClrLst meth="repeat">
       <a:schemeClr val="accent3"/>
     </dgm:fillClrLst>
     <dgm:linClrLst meth="repeat">
@@ -431,7 +458,19 @@
     <dgm:txFillClrLst/>
     <dgm:txEffectClrLst/>
   </dgm:styleLbl>
-  <dgm:styleLbl name="parChTrans2D1">
+  <dgm:styleLbl name="parChTrans2D3">
+    <dgm:fillClrLst meth="repeat">
+      <a:schemeClr val="accent4"/>
+    </dgm:fillClrLst>
+    <dgm:linClrLst meth="repeat">
+      <a:schemeClr val="lt1"/>
+    </dgm:linClrLst>
+    <dgm:effectClrLst/>
+    <dgm:txLinClrLst/>
+    <dgm:txFillClrLst/>
+    <dgm:txEffectClrLst/>
+  </dgm:styleLbl>
+  <dgm:styleLbl name="parChTrans2D4">
     <dgm:fillClrLst meth="repeat">
       <a:schemeClr val="accent5"/>
     </dgm:fillClrLst>
@@ -445,47 +484,57 @@
     </dgm:txFillClrLst>
     <dgm:txEffectClrLst/>
   </dgm:styleLbl>
-  <dgm:styleLbl name="parChTrans2D2">
+  <dgm:styleLbl name="parChTrans1D1">
     <dgm:fillClrLst meth="repeat">
-      <a:schemeClr val="accent6"/>
+      <a:schemeClr val="accent2"/>
     </dgm:fillClrLst>
     <dgm:linClrLst meth="repeat">
-      <a:schemeClr val="lt1"/>
-    </dgm:linClrLst>
-    <dgm:effectClrLst/>
-    <dgm:txLinClrLst/>
-    <dgm:txFillClrLst/>
-    <dgm:txEffectClrLst/>
-  </dgm:styleLbl>
-  <dgm:styleLbl name="parChTrans2D3">
-    <dgm:fillClrLst meth="repeat">
-      <a:schemeClr val="accent6"/>
-    </dgm:fillClrLst>
-    <dgm:linClrLst meth="repeat">
-      <a:schemeClr val="lt1"/>
-    </dgm:linClrLst>
-    <dgm:effectClrLst/>
-    <dgm:txLinClrLst/>
-    <dgm:txFillClrLst/>
-    <dgm:txEffectClrLst/>
-  </dgm:styleLbl>
-  <dgm:styleLbl name="parChTrans2D4">
-    <dgm:fillClrLst meth="repeat">
-      <a:schemeClr val="accent1"/>
-    </dgm:fillClrLst>
-    <dgm:linClrLst meth="repeat">
-      <a:schemeClr val="lt1"/>
+      <a:schemeClr val="accent2"/>
     </dgm:linClrLst>
     <dgm:effectClrLst/>
     <dgm:txLinClrLst/>
     <dgm:txFillClrLst meth="repeat">
-      <a:schemeClr val="lt1"/>
+      <a:schemeClr val="tx1"/>
     </dgm:txFillClrLst>
     <dgm:txEffectClrLst/>
   </dgm:styleLbl>
-  <dgm:styleLbl name="parChTrans1D1">
+  <dgm:styleLbl name="parChTrans1D2">
     <dgm:fillClrLst meth="repeat">
-      <a:schemeClr val="accent5"/>
+      <a:schemeClr val="accent2">
+        <a:tint val="90000"/>
+      </a:schemeClr>
+    </dgm:fillClrLst>
+    <dgm:linClrLst meth="repeat">
+      <a:schemeClr val="accent3"/>
+    </dgm:linClrLst>
+    <dgm:effectClrLst/>
+    <dgm:txLinClrLst/>
+    <dgm:txFillClrLst meth="repeat">
+      <a:schemeClr val="tx1"/>
+    </dgm:txFillClrLst>
+    <dgm:txEffectClrLst/>
+  </dgm:styleLbl>
+  <dgm:styleLbl name="parChTrans1D3">
+    <dgm:fillClrLst meth="repeat">
+      <a:schemeClr val="accent2">
+        <a:tint val="70000"/>
+      </a:schemeClr>
+    </dgm:fillClrLst>
+    <dgm:linClrLst meth="repeat">
+      <a:schemeClr val="accent4"/>
+    </dgm:linClrLst>
+    <dgm:effectClrLst/>
+    <dgm:txLinClrLst/>
+    <dgm:txFillClrLst meth="repeat">
+      <a:schemeClr val="tx1"/>
+    </dgm:txFillClrLst>
+    <dgm:txEffectClrLst/>
+  </dgm:styleLbl>
+  <dgm:styleLbl name="parChTrans1D4">
+    <dgm:fillClrLst meth="repeat">
+      <a:schemeClr val="accent2">
+        <a:tint val="50000"/>
+      </a:schemeClr>
     </dgm:fillClrLst>
     <dgm:linClrLst meth="repeat">
       <a:schemeClr val="accent5"/>
@@ -497,42 +546,61 @@
     </dgm:txFillClrLst>
     <dgm:txEffectClrLst/>
   </dgm:styleLbl>
-  <dgm:styleLbl name="parChTrans1D2">
+  <dgm:styleLbl name="fgAcc1">
     <dgm:fillClrLst meth="repeat">
-      <a:schemeClr val="accent6">
-        <a:tint val="90000"/>
+      <a:schemeClr val="lt1">
+        <a:alpha val="90000"/>
       </a:schemeClr>
     </dgm:fillClrLst>
-    <dgm:linClrLst meth="repeat">
-      <a:schemeClr val="accent6"/>
+    <dgm:linClrLst>
+      <a:schemeClr val="accent2"/>
+      <a:schemeClr val="accent3"/>
     </dgm:linClrLst>
     <dgm:effectClrLst/>
     <dgm:txLinClrLst/>
     <dgm:txFillClrLst meth="repeat">
-      <a:schemeClr val="tx1"/>
+      <a:schemeClr val="dk1"/>
     </dgm:txFillClrLst>
     <dgm:txEffectClrLst/>
   </dgm:styleLbl>
-  <dgm:styleLbl name="parChTrans1D3">
+  <dgm:styleLbl name="conFgAcc1">
     <dgm:fillClrLst meth="repeat">
-      <a:schemeClr val="accent6">
-        <a:tint val="70000"/>
+      <a:schemeClr val="lt1">
+        <a:alpha val="90000"/>
       </a:schemeClr>
     </dgm:fillClrLst>
-    <dgm:linClrLst meth="repeat">
-      <a:schemeClr val="accent1"/>
+    <dgm:linClrLst>
+      <a:schemeClr val="accent2"/>
+      <a:schemeClr val="accent3"/>
     </dgm:linClrLst>
     <dgm:effectClrLst/>
     <dgm:txLinClrLst/>
     <dgm:txFillClrLst meth="repeat">
-      <a:schemeClr val="tx1"/>
+      <a:schemeClr val="dk1"/>
     </dgm:txFillClrLst>
     <dgm:txEffectClrLst/>
   </dgm:styleLbl>
-  <dgm:styleLbl name="parChTrans1D4">
+  <dgm:styleLbl name="alignAcc1">
     <dgm:fillClrLst meth="repeat">
-      <a:schemeClr val="accent6">
-        <a:tint val="50000"/>
+      <a:schemeClr val="lt1">
+        <a:alpha val="90000"/>
+      </a:schemeClr>
+    </dgm:fillClrLst>
+    <dgm:linClrLst>
+      <a:schemeClr val="accent2"/>
+      <a:schemeClr val="accent3"/>
+    </dgm:linClrLst>
+    <dgm:effectClrLst/>
+    <dgm:txLinClrLst/>
+    <dgm:txFillClrLst meth="repeat">
+      <a:schemeClr val="dk1"/>
+    </dgm:txFillClrLst>
+    <dgm:txEffectClrLst/>
+  </dgm:styleLbl>
+  <dgm:styleLbl name="trAlignAcc1">
+    <dgm:fillClrLst meth="repeat">
+      <a:schemeClr val="lt1">
+        <a:alpha val="40000"/>
       </a:schemeClr>
     </dgm:fillClrLst>
     <dgm:linClrLst meth="repeat">
@@ -541,19 +609,19 @@
     <dgm:effectClrLst/>
     <dgm:txLinClrLst/>
     <dgm:txFillClrLst meth="repeat">
-      <a:schemeClr val="tx1"/>
+      <a:schemeClr val="dk1"/>
     </dgm:txFillClrLst>
     <dgm:txEffectClrLst/>
   </dgm:styleLbl>
-  <dgm:styleLbl name="fgAcc1">
+  <dgm:styleLbl name="bgAcc1">
     <dgm:fillClrLst meth="repeat">
       <a:schemeClr val="lt1">
         <a:alpha val="90000"/>
       </a:schemeClr>
     </dgm:fillClrLst>
     <dgm:linClrLst>
-      <a:schemeClr val="accent5"/>
-      <a:schemeClr val="accent6"/>
+      <a:schemeClr val="accent2"/>
+      <a:schemeClr val="accent3"/>
     </dgm:linClrLst>
     <dgm:effectClrLst/>
     <dgm:txLinClrLst/>
@@ -562,15 +630,13 @@
     </dgm:txFillClrLst>
     <dgm:txEffectClrLst/>
   </dgm:styleLbl>
-  <dgm:styleLbl name="conFgAcc1">
+  <dgm:styleLbl name="solidFgAcc1">
     <dgm:fillClrLst meth="repeat">
-      <a:schemeClr val="lt1">
-        <a:alpha val="90000"/>
-      </a:schemeClr>
+      <a:schemeClr val="lt1"/>
     </dgm:fillClrLst>
     <dgm:linClrLst>
-      <a:schemeClr val="accent5"/>
-      <a:schemeClr val="accent6"/>
+      <a:schemeClr val="accent2"/>
+      <a:schemeClr val="accent3"/>
     </dgm:linClrLst>
     <dgm:effectClrLst/>
     <dgm:txLinClrLst/>
@@ -579,15 +645,13 @@
     </dgm:txFillClrLst>
     <dgm:txEffectClrLst/>
   </dgm:styleLbl>
-  <dgm:styleLbl name="alignAcc1">
+  <dgm:styleLbl name="solidAlignAcc1">
     <dgm:fillClrLst meth="repeat">
-      <a:schemeClr val="lt1">
-        <a:alpha val="90000"/>
-      </a:schemeClr>
+      <a:schemeClr val="lt1"/>
     </dgm:fillClrLst>
     <dgm:linClrLst>
-      <a:schemeClr val="accent5"/>
-      <a:schemeClr val="accent6"/>
+      <a:schemeClr val="accent2"/>
+      <a:schemeClr val="accent3"/>
     </dgm:linClrLst>
     <dgm:effectClrLst/>
     <dgm:txLinClrLst/>
@@ -596,14 +660,13 @@
     </dgm:txFillClrLst>
     <dgm:txEffectClrLst/>
   </dgm:styleLbl>
-  <dgm:styleLbl name="trAlignAcc1">
+  <dgm:styleLbl name="solidBgAcc1">
     <dgm:fillClrLst meth="repeat">
-      <a:schemeClr val="lt1">
-        <a:alpha val="40000"/>
-      </a:schemeClr>
+      <a:schemeClr val="lt1"/>
     </dgm:fillClrLst>
-    <dgm:linClrLst meth="repeat">
-      <a:schemeClr val="accent5"/>
+    <dgm:linClrLst>
+      <a:schemeClr val="accent2"/>
+      <a:schemeClr val="accent3"/>
     </dgm:linClrLst>
     <dgm:effectClrLst/>
     <dgm:txLinClrLst/>
@@ -612,85 +675,23 @@
     </dgm:txFillClrLst>
     <dgm:txEffectClrLst/>
   </dgm:styleLbl>
-  <dgm:styleLbl name="bgAcc1">
-    <dgm:fillClrLst meth="repeat">
-      <a:schemeClr val="lt1">
-        <a:alpha val="90000"/>
-      </a:schemeClr>
-    </dgm:fillClrLst>
-    <dgm:linClrLst>
-      <a:schemeClr val="accent5"/>
-      <a:schemeClr val="accent6"/>
-    </dgm:linClrLst>
-    <dgm:effectClrLst/>
-    <dgm:txLinClrLst/>
-    <dgm:txFillClrLst meth="repeat">
-      <a:schemeClr val="dk1"/>
-    </dgm:txFillClrLst>
-    <dgm:txEffectClrLst/>
-  </dgm:styleLbl>
-  <dgm:styleLbl name="solidFgAcc1">
-    <dgm:fillClrLst meth="repeat">
-      <a:schemeClr val="lt1"/>
-    </dgm:fillClrLst>
-    <dgm:linClrLst>
-      <a:schemeClr val="accent5"/>
-      <a:schemeClr val="accent6"/>
-    </dgm:linClrLst>
-    <dgm:effectClrLst/>
-    <dgm:txLinClrLst/>
-    <dgm:txFillClrLst meth="repeat">
-      <a:schemeClr val="dk1"/>
-    </dgm:txFillClrLst>
-    <dgm:txEffectClrLst/>
-  </dgm:styleLbl>
-  <dgm:styleLbl name="solidAlignAcc1">
-    <dgm:fillClrLst meth="repeat">
-      <a:schemeClr val="lt1"/>
-    </dgm:fillClrLst>
-    <dgm:linClrLst>
-      <a:schemeClr val="accent5"/>
-      <a:schemeClr val="accent6"/>
-    </dgm:linClrLst>
-    <dgm:effectClrLst/>
-    <dgm:txLinClrLst/>
-    <dgm:txFillClrLst meth="repeat">
-      <a:schemeClr val="dk1"/>
-    </dgm:txFillClrLst>
-    <dgm:txEffectClrLst/>
-  </dgm:styleLbl>
-  <dgm:styleLbl name="solidBgAcc1">
-    <dgm:fillClrLst meth="repeat">
-      <a:schemeClr val="lt1"/>
-    </dgm:fillClrLst>
-    <dgm:linClrLst>
-      <a:schemeClr val="accent5"/>
-      <a:schemeClr val="accent6"/>
-    </dgm:linClrLst>
-    <dgm:effectClrLst/>
-    <dgm:txLinClrLst/>
-    <dgm:txFillClrLst meth="repeat">
-      <a:schemeClr val="dk1"/>
-    </dgm:txFillClrLst>
-    <dgm:txEffectClrLst/>
-  </dgm:styleLbl>
   <dgm:styleLbl name="fgAccFollowNode1">
     <dgm:fillClrLst>
-      <a:schemeClr val="accent5">
+      <a:schemeClr val="accent2">
         <a:tint val="40000"/>
         <a:alpha val="90000"/>
       </a:schemeClr>
-      <a:schemeClr val="accent6">
+      <a:schemeClr val="accent3">
         <a:tint val="40000"/>
         <a:alpha val="90000"/>
       </a:schemeClr>
     </dgm:fillClrLst>
     <dgm:linClrLst>
-      <a:schemeClr val="accent5">
+      <a:schemeClr val="accent2">
         <a:tint val="40000"/>
         <a:alpha val="90000"/>
       </a:schemeClr>
-      <a:schemeClr val="accent5">
+      <a:schemeClr val="accent3">
         <a:tint val="40000"/>
         <a:alpha val="90000"/>
       </a:schemeClr>
@@ -704,21 +705,21 @@
   </dgm:styleLbl>
   <dgm:styleLbl name="alignAccFollowNode1">
     <dgm:fillClrLst>
-      <a:schemeClr val="accent5">
+      <a:schemeClr val="accent2">
         <a:tint val="40000"/>
         <a:alpha val="90000"/>
       </a:schemeClr>
-      <a:schemeClr val="accent6">
+      <a:schemeClr val="accent3">
         <a:tint val="40000"/>
         <a:alpha val="90000"/>
       </a:schemeClr>
     </dgm:fillClrLst>
     <dgm:linClrLst>
-      <a:schemeClr val="accent5">
+      <a:schemeClr val="accent2">
         <a:tint val="40000"/>
         <a:alpha val="90000"/>
       </a:schemeClr>
-      <a:schemeClr val="accent6">
+      <a:schemeClr val="accent3">
         <a:tint val="40000"/>
         <a:alpha val="90000"/>
       </a:schemeClr>
@@ -732,21 +733,21 @@
   </dgm:styleLbl>
   <dgm:styleLbl name="bgAccFollowNode1">
     <dgm:fillClrLst>
-      <a:schemeClr val="accent5">
+      <a:schemeClr val="accent2">
         <a:tint val="40000"/>
         <a:alpha val="90000"/>
       </a:schemeClr>
-      <a:schemeClr val="accent6">
+      <a:schemeClr val="accent3">
         <a:tint val="40000"/>
         <a:alpha val="90000"/>
       </a:schemeClr>
     </dgm:fillClrLst>
     <dgm:linClrLst>
-      <a:schemeClr val="accent5">
+      <a:schemeClr val="accent2">
         <a:tint val="40000"/>
         <a:alpha val="90000"/>
       </a:schemeClr>
-      <a:schemeClr val="accent6">
+      <a:schemeClr val="accent3">
         <a:tint val="40000"/>
         <a:alpha val="90000"/>
       </a:schemeClr>
@@ -759,6 +760,38 @@
     <dgm:txEffectClrLst/>
   </dgm:styleLbl>
   <dgm:styleLbl name="fgAcc0">
+    <dgm:fillClrLst meth="repeat">
+      <a:schemeClr val="lt1">
+        <a:alpha val="90000"/>
+      </a:schemeClr>
+    </dgm:fillClrLst>
+    <dgm:linClrLst>
+      <a:schemeClr val="accent1"/>
+    </dgm:linClrLst>
+    <dgm:effectClrLst/>
+    <dgm:txLinClrLst/>
+    <dgm:txFillClrLst meth="repeat">
+      <a:schemeClr val="dk1"/>
+    </dgm:txFillClrLst>
+    <dgm:txEffectClrLst/>
+  </dgm:styleLbl>
+  <dgm:styleLbl name="fgAcc2">
+    <dgm:fillClrLst meth="repeat">
+      <a:schemeClr val="lt1">
+        <a:alpha val="90000"/>
+      </a:schemeClr>
+    </dgm:fillClrLst>
+    <dgm:linClrLst>
+      <a:schemeClr val="accent3"/>
+    </dgm:linClrLst>
+    <dgm:effectClrLst/>
+    <dgm:txLinClrLst/>
+    <dgm:txFillClrLst meth="repeat">
+      <a:schemeClr val="dk1"/>
+    </dgm:txFillClrLst>
+    <dgm:txEffectClrLst/>
+  </dgm:styleLbl>
+  <dgm:styleLbl name="fgAcc3">
     <dgm:fillClrLst meth="repeat">
       <a:schemeClr val="lt1">
         <a:alpha val="90000"/>
@@ -774,14 +807,14 @@
     </dgm:txFillClrLst>
     <dgm:txEffectClrLst/>
   </dgm:styleLbl>
-  <dgm:styleLbl name="fgAcc2">
+  <dgm:styleLbl name="fgAcc4">
     <dgm:fillClrLst meth="repeat">
       <a:schemeClr val="lt1">
         <a:alpha val="90000"/>
       </a:schemeClr>
     </dgm:fillClrLst>
     <dgm:linClrLst>
-      <a:schemeClr val="accent6"/>
+      <a:schemeClr val="accent5"/>
     </dgm:linClrLst>
     <dgm:effectClrLst/>
     <dgm:txLinClrLst/>
@@ -790,41 +823,9 @@
     </dgm:txFillClrLst>
     <dgm:txEffectClrLst/>
   </dgm:styleLbl>
-  <dgm:styleLbl name="fgAcc3">
-    <dgm:fillClrLst meth="repeat">
-      <a:schemeClr val="lt1">
-        <a:alpha val="90000"/>
-      </a:schemeClr>
-    </dgm:fillClrLst>
-    <dgm:linClrLst>
-      <a:schemeClr val="accent1"/>
-    </dgm:linClrLst>
-    <dgm:effectClrLst/>
-    <dgm:txLinClrLst/>
-    <dgm:txFillClrLst meth="repeat">
-      <a:schemeClr val="dk1"/>
-    </dgm:txFillClrLst>
-    <dgm:txEffectClrLst/>
-  </dgm:styleLbl>
-  <dgm:styleLbl name="fgAcc4">
-    <dgm:fillClrLst meth="repeat">
-      <a:schemeClr val="lt1">
-        <a:alpha val="90000"/>
-      </a:schemeClr>
-    </dgm:fillClrLst>
-    <dgm:linClrLst>
-      <a:schemeClr val="accent2"/>
-    </dgm:linClrLst>
-    <dgm:effectClrLst/>
-    <dgm:txLinClrLst/>
-    <dgm:txFillClrLst meth="repeat">
-      <a:schemeClr val="dk1"/>
-    </dgm:txFillClrLst>
-    <dgm:txEffectClrLst/>
-  </dgm:styleLbl>
   <dgm:styleLbl name="bgShp">
     <dgm:fillClrLst meth="repeat">
-      <a:schemeClr val="accent5">
+      <a:schemeClr val="accent2">
         <a:tint val="40000"/>
       </a:schemeClr>
     </dgm:fillClrLst>
@@ -840,7 +841,7 @@
   </dgm:styleLbl>
   <dgm:styleLbl name="dkBgShp">
     <dgm:fillClrLst meth="repeat">
-      <a:schemeClr val="accent5">
+      <a:schemeClr val="accent2">
         <a:shade val="90000"/>
       </a:schemeClr>
     </dgm:fillClrLst>
@@ -856,13 +857,13 @@
   </dgm:styleLbl>
   <dgm:styleLbl name="trBgShp">
     <dgm:fillClrLst meth="repeat">
-      <a:schemeClr val="accent5">
+      <a:schemeClr val="accent2">
         <a:tint val="50000"/>
         <a:alpha val="40000"/>
       </a:schemeClr>
     </dgm:fillClrLst>
     <dgm:linClrLst meth="repeat">
-      <a:schemeClr val="accent5"/>
+      <a:schemeClr val="accent2"/>
     </dgm:linClrLst>
     <dgm:effectClrLst/>
     <dgm:txLinClrLst/>
@@ -873,7 +874,7 @@
   </dgm:styleLbl>
   <dgm:styleLbl name="fgShp">
     <dgm:fillClrLst meth="repeat">
-      <a:schemeClr val="accent5">
+      <a:schemeClr val="accent2">
         <a:tint val="40000"/>
       </a:schemeClr>
     </dgm:fillClrLst>
@@ -3362,7 +3363,7 @@
 <dgm:dataModel xmlns:dgm="http://schemas.openxmlformats.org/drawingml/2006/diagram" xmlns:a="http://schemas.openxmlformats.org/drawingml/2006/main">
   <dgm:ptLst>
     <dgm:pt modelId="{3962274E-53F4-4BF6-A042-51E084BE6DB8}" type="doc">
-      <dgm:prSet loTypeId="urn:microsoft.com/office/officeart/2008/layout/LinedList" loCatId="list" qsTypeId="urn:microsoft.com/office/officeart/2005/8/quickstyle/simple5" qsCatId="simple" csTypeId="urn:microsoft.com/office/officeart/2005/8/colors/colorful5" csCatId="colorful"/>
+      <dgm:prSet loTypeId="urn:microsoft.com/office/officeart/2005/8/layout/vList2" loCatId="list" qsTypeId="urn:microsoft.com/office/officeart/2005/8/quickstyle/simple1" qsCatId="simple" csTypeId="urn:microsoft.com/office/officeart/2005/8/colors/colorful2" csCatId="colorful"/>
       <dgm:spPr/>
       <dgm:t>
         <a:bodyPr/>
@@ -3379,6 +3380,11 @@
         <a:bodyPr/>
         <a:lstStyle/>
         <a:p>
+          <a:pPr>
+            <a:lnSpc>
+              <a:spcPct val="100000"/>
+            </a:lnSpc>
+          </a:pPr>
           <a:r>
             <a:rPr lang="en-IN"/>
             <a:t>The goal of the case study is to Predict who is likely going to click on the Advertisement so it can contribute to the more revenue generation to the organization</a:t>
@@ -3416,6 +3422,11 @@
         <a:bodyPr/>
         <a:lstStyle/>
         <a:p>
+          <a:pPr>
+            <a:lnSpc>
+              <a:spcPct val="100000"/>
+            </a:lnSpc>
+          </a:pPr>
           <a:r>
             <a:rPr lang="en-US"/>
             <a:t>Considering this objective, we are running a **Logistic regression model** on target/dependent variable to analyze the influence of several independent factors that affect our target variables . </a:t>
@@ -3445,63 +3456,47 @@
         </a:p>
       </dgm:t>
     </dgm:pt>
-    <dgm:pt modelId="{B81EC3EA-F781-4C43-B236-EB37B924FA19}" type="pres">
-      <dgm:prSet presAssocID="{3962274E-53F4-4BF6-A042-51E084BE6DB8}" presName="vert0" presStyleCnt="0">
+    <dgm:pt modelId="{4F1699FA-6972-4B29-A3DD-2D4F02399D89}" type="pres">
+      <dgm:prSet presAssocID="{3962274E-53F4-4BF6-A042-51E084BE6DB8}" presName="linear" presStyleCnt="0">
         <dgm:presLayoutVars>
-          <dgm:dir/>
-          <dgm:animOne val="branch"/>
           <dgm:animLvl val="lvl"/>
+          <dgm:resizeHandles val="exact"/>
         </dgm:presLayoutVars>
       </dgm:prSet>
       <dgm:spPr/>
     </dgm:pt>
-    <dgm:pt modelId="{928F3D4D-A2BF-454F-8835-EFA3968E74D1}" type="pres">
-      <dgm:prSet presAssocID="{63412A70-268C-4650-8CDA-EB2EB41B22A6}" presName="thickLine" presStyleLbl="alignNode1" presStyleIdx="0" presStyleCnt="2"/>
+    <dgm:pt modelId="{AC363AAD-45BF-4BA7-87C6-1AB8BE5D49DF}" type="pres">
+      <dgm:prSet presAssocID="{63412A70-268C-4650-8CDA-EB2EB41B22A6}" presName="parentText" presStyleLbl="node1" presStyleIdx="0" presStyleCnt="2">
+        <dgm:presLayoutVars>
+          <dgm:chMax val="0"/>
+          <dgm:bulletEnabled val="1"/>
+        </dgm:presLayoutVars>
+      </dgm:prSet>
       <dgm:spPr/>
     </dgm:pt>
-    <dgm:pt modelId="{3E4ADE43-AE93-47D0-84BE-E13CB173BAB5}" type="pres">
-      <dgm:prSet presAssocID="{63412A70-268C-4650-8CDA-EB2EB41B22A6}" presName="horz1" presStyleCnt="0"/>
+    <dgm:pt modelId="{28B415A3-F162-4C21-B9D5-AFCBF295C95B}" type="pres">
+      <dgm:prSet presAssocID="{E4890965-4C5F-4624-8012-AE1A540FAA84}" presName="spacer" presStyleCnt="0"/>
       <dgm:spPr/>
     </dgm:pt>
-    <dgm:pt modelId="{39573F2E-3660-46EB-91ED-6E0E3202E334}" type="pres">
-      <dgm:prSet presAssocID="{63412A70-268C-4650-8CDA-EB2EB41B22A6}" presName="tx1" presStyleLbl="revTx" presStyleIdx="0" presStyleCnt="2"/>
-      <dgm:spPr/>
-    </dgm:pt>
-    <dgm:pt modelId="{C5965AAA-5C01-42DE-8C1C-22934CE59E69}" type="pres">
-      <dgm:prSet presAssocID="{63412A70-268C-4650-8CDA-EB2EB41B22A6}" presName="vert1" presStyleCnt="0"/>
-      <dgm:spPr/>
-    </dgm:pt>
-    <dgm:pt modelId="{84C48728-CDE7-44AB-B846-67E26C963379}" type="pres">
-      <dgm:prSet presAssocID="{7424AA87-6520-4C09-8DDD-2EC7B8B42C15}" presName="thickLine" presStyleLbl="alignNode1" presStyleIdx="1" presStyleCnt="2"/>
-      <dgm:spPr/>
-    </dgm:pt>
-    <dgm:pt modelId="{B7675B08-20BE-4A16-ABB3-2C22ED5A13C7}" type="pres">
-      <dgm:prSet presAssocID="{7424AA87-6520-4C09-8DDD-2EC7B8B42C15}" presName="horz1" presStyleCnt="0"/>
-      <dgm:spPr/>
-    </dgm:pt>
-    <dgm:pt modelId="{CB111314-6801-40D9-9773-06C28C09408A}" type="pres">
-      <dgm:prSet presAssocID="{7424AA87-6520-4C09-8DDD-2EC7B8B42C15}" presName="tx1" presStyleLbl="revTx" presStyleIdx="1" presStyleCnt="2"/>
-      <dgm:spPr/>
-    </dgm:pt>
-    <dgm:pt modelId="{0F2B7913-1959-4F9E-8259-278FECC714BF}" type="pres">
-      <dgm:prSet presAssocID="{7424AA87-6520-4C09-8DDD-2EC7B8B42C15}" presName="vert1" presStyleCnt="0"/>
+    <dgm:pt modelId="{2423FDDA-0D44-4966-8E10-E6035A2DEA06}" type="pres">
+      <dgm:prSet presAssocID="{7424AA87-6520-4C09-8DDD-2EC7B8B42C15}" presName="parentText" presStyleLbl="node1" presStyleIdx="1" presStyleCnt="2">
+        <dgm:presLayoutVars>
+          <dgm:chMax val="0"/>
+          <dgm:bulletEnabled val="1"/>
+        </dgm:presLayoutVars>
+      </dgm:prSet>
       <dgm:spPr/>
     </dgm:pt>
   </dgm:ptLst>
   <dgm:cxnLst>
-    <dgm:cxn modelId="{8EDC2521-E7F7-4D13-B259-F33CF2619543}" type="presOf" srcId="{3962274E-53F4-4BF6-A042-51E084BE6DB8}" destId="{B81EC3EA-F781-4C43-B236-EB37B924FA19}" srcOrd="0" destOrd="0" presId="urn:microsoft.com/office/officeart/2008/layout/LinedList"/>
+    <dgm:cxn modelId="{755DFD24-5D78-47A6-A583-228AAB4AEBCC}" type="presOf" srcId="{63412A70-268C-4650-8CDA-EB2EB41B22A6}" destId="{AC363AAD-45BF-4BA7-87C6-1AB8BE5D49DF}" srcOrd="0" destOrd="0" presId="urn:microsoft.com/office/officeart/2005/8/layout/vList2"/>
+    <dgm:cxn modelId="{85848040-E975-4C5C-8304-92973FAB6A63}" type="presOf" srcId="{7424AA87-6520-4C09-8DDD-2EC7B8B42C15}" destId="{2423FDDA-0D44-4966-8E10-E6035A2DEA06}" srcOrd="0" destOrd="0" presId="urn:microsoft.com/office/officeart/2005/8/layout/vList2"/>
     <dgm:cxn modelId="{034CBF5F-2967-4084-825E-7BB4BF9E1C70}" srcId="{3962274E-53F4-4BF6-A042-51E084BE6DB8}" destId="{7424AA87-6520-4C09-8DDD-2EC7B8B42C15}" srcOrd="1" destOrd="0" parTransId="{2D9D4762-E1C0-4EA6-867F-507D301A2584}" sibTransId="{2F4409DF-EFDB-4C39-8BED-1CDD87655C4F}"/>
-    <dgm:cxn modelId="{C08A5554-CA2C-48EF-BB94-0AB210CBB69D}" type="presOf" srcId="{63412A70-268C-4650-8CDA-EB2EB41B22A6}" destId="{39573F2E-3660-46EB-91ED-6E0E3202E334}" srcOrd="0" destOrd="0" presId="urn:microsoft.com/office/officeart/2008/layout/LinedList"/>
-    <dgm:cxn modelId="{25784F78-7C4C-4BC9-8DB4-1F7849965E9D}" type="presOf" srcId="{7424AA87-6520-4C09-8DDD-2EC7B8B42C15}" destId="{CB111314-6801-40D9-9773-06C28C09408A}" srcOrd="0" destOrd="0" presId="urn:microsoft.com/office/officeart/2008/layout/LinedList"/>
+    <dgm:cxn modelId="{2ABC2143-B19D-46D9-96FE-01B9551C8FE0}" type="presOf" srcId="{3962274E-53F4-4BF6-A042-51E084BE6DB8}" destId="{4F1699FA-6972-4B29-A3DD-2D4F02399D89}" srcOrd="0" destOrd="0" presId="urn:microsoft.com/office/officeart/2005/8/layout/vList2"/>
     <dgm:cxn modelId="{7ADD5C8C-792F-4733-9E00-E495FAFC2C15}" srcId="{3962274E-53F4-4BF6-A042-51E084BE6DB8}" destId="{63412A70-268C-4650-8CDA-EB2EB41B22A6}" srcOrd="0" destOrd="0" parTransId="{AD3B769A-D267-4786-96CA-C4FED5E34100}" sibTransId="{E4890965-4C5F-4624-8012-AE1A540FAA84}"/>
-    <dgm:cxn modelId="{EB316EAD-7D6B-436F-B566-983C3888A0C4}" type="presParOf" srcId="{B81EC3EA-F781-4C43-B236-EB37B924FA19}" destId="{928F3D4D-A2BF-454F-8835-EFA3968E74D1}" srcOrd="0" destOrd="0" presId="urn:microsoft.com/office/officeart/2008/layout/LinedList"/>
-    <dgm:cxn modelId="{66C9EA97-C66F-47EB-B9F7-7B7C5473B78B}" type="presParOf" srcId="{B81EC3EA-F781-4C43-B236-EB37B924FA19}" destId="{3E4ADE43-AE93-47D0-84BE-E13CB173BAB5}" srcOrd="1" destOrd="0" presId="urn:microsoft.com/office/officeart/2008/layout/LinedList"/>
-    <dgm:cxn modelId="{84DC8CB7-3B8C-4920-82B6-E4731A7C9262}" type="presParOf" srcId="{3E4ADE43-AE93-47D0-84BE-E13CB173BAB5}" destId="{39573F2E-3660-46EB-91ED-6E0E3202E334}" srcOrd="0" destOrd="0" presId="urn:microsoft.com/office/officeart/2008/layout/LinedList"/>
-    <dgm:cxn modelId="{302CC5CF-184A-4F76-8D1A-D7B10E643322}" type="presParOf" srcId="{3E4ADE43-AE93-47D0-84BE-E13CB173BAB5}" destId="{C5965AAA-5C01-42DE-8C1C-22934CE59E69}" srcOrd="1" destOrd="0" presId="urn:microsoft.com/office/officeart/2008/layout/LinedList"/>
-    <dgm:cxn modelId="{D29C869E-EE96-4841-AA1F-8184F7A242EC}" type="presParOf" srcId="{B81EC3EA-F781-4C43-B236-EB37B924FA19}" destId="{84C48728-CDE7-44AB-B846-67E26C963379}" srcOrd="2" destOrd="0" presId="urn:microsoft.com/office/officeart/2008/layout/LinedList"/>
-    <dgm:cxn modelId="{60B98DE7-69F4-4083-B997-F3F5EF3E2C29}" type="presParOf" srcId="{B81EC3EA-F781-4C43-B236-EB37B924FA19}" destId="{B7675B08-20BE-4A16-ABB3-2C22ED5A13C7}" srcOrd="3" destOrd="0" presId="urn:microsoft.com/office/officeart/2008/layout/LinedList"/>
-    <dgm:cxn modelId="{3F544F59-C56F-4F36-9F11-CC9AEAF1B431}" type="presParOf" srcId="{B7675B08-20BE-4A16-ABB3-2C22ED5A13C7}" destId="{CB111314-6801-40D9-9773-06C28C09408A}" srcOrd="0" destOrd="0" presId="urn:microsoft.com/office/officeart/2008/layout/LinedList"/>
-    <dgm:cxn modelId="{E34B8E47-04D8-4E62-969C-8DCCE87E25BA}" type="presParOf" srcId="{B7675B08-20BE-4A16-ABB3-2C22ED5A13C7}" destId="{0F2B7913-1959-4F9E-8259-278FECC714BF}" srcOrd="1" destOrd="0" presId="urn:microsoft.com/office/officeart/2008/layout/LinedList"/>
+    <dgm:cxn modelId="{6AF7658C-4B99-423C-A30A-5FB9DE971BD6}" type="presParOf" srcId="{4F1699FA-6972-4B29-A3DD-2D4F02399D89}" destId="{AC363AAD-45BF-4BA7-87C6-1AB8BE5D49DF}" srcOrd="0" destOrd="0" presId="urn:microsoft.com/office/officeart/2005/8/layout/vList2"/>
+    <dgm:cxn modelId="{0E6441DA-1AF7-4620-9492-8142EA327CD7}" type="presParOf" srcId="{4F1699FA-6972-4B29-A3DD-2D4F02399D89}" destId="{28B415A3-F162-4C21-B9D5-AFCBF295C95B}" srcOrd="1" destOrd="0" presId="urn:microsoft.com/office/officeart/2005/8/layout/vList2"/>
+    <dgm:cxn modelId="{C8BE03AA-A897-4B95-9FE6-E420B6C2CB38}" type="presParOf" srcId="{4F1699FA-6972-4B29-A3DD-2D4F02399D89}" destId="{2423FDDA-0D44-4966-8E10-E6035A2DEA06}" srcOrd="2" destOrd="0" presId="urn:microsoft.com/office/officeart/2005/8/layout/vList2"/>
   </dgm:cxnLst>
   <dgm:bg/>
   <dgm:whole/>
@@ -4701,60 +4696,30 @@
       <dsp:cNvGrpSpPr/>
     </dsp:nvGrpSpPr>
     <dsp:grpSpPr/>
-    <dsp:sp modelId="{928F3D4D-A2BF-454F-8835-EFA3968E74D1}">
+    <dsp:sp modelId="{AC363AAD-45BF-4BA7-87C6-1AB8BE5D49DF}">
       <dsp:nvSpPr>
         <dsp:cNvPr id="0" name=""/>
         <dsp:cNvSpPr/>
       </dsp:nvSpPr>
       <dsp:spPr>
         <a:xfrm>
-          <a:off x="0" y="0"/>
-          <a:ext cx="4640729" cy="0"/>
+          <a:off x="0" y="75122"/>
+          <a:ext cx="4640729" cy="1842750"/>
         </a:xfrm>
-        <a:prstGeom prst="line">
+        <a:prstGeom prst="roundRect">
           <a:avLst/>
         </a:prstGeom>
-        <a:gradFill rotWithShape="0">
-          <a:gsLst>
-            <a:gs pos="0">
-              <a:schemeClr val="accent5">
-                <a:hueOff val="0"/>
-                <a:satOff val="0"/>
-                <a:lumOff val="0"/>
-                <a:alphaOff val="0"/>
-                <a:satMod val="103000"/>
-                <a:lumMod val="102000"/>
-                <a:tint val="94000"/>
-              </a:schemeClr>
-            </a:gs>
-            <a:gs pos="50000">
-              <a:schemeClr val="accent5">
-                <a:hueOff val="0"/>
-                <a:satOff val="0"/>
-                <a:lumOff val="0"/>
-                <a:alphaOff val="0"/>
-                <a:satMod val="110000"/>
-                <a:lumMod val="100000"/>
-                <a:shade val="100000"/>
-              </a:schemeClr>
-            </a:gs>
-            <a:gs pos="100000">
-              <a:schemeClr val="accent5">
-                <a:hueOff val="0"/>
-                <a:satOff val="0"/>
-                <a:lumOff val="0"/>
-                <a:alphaOff val="0"/>
-                <a:lumMod val="99000"/>
-                <a:satMod val="120000"/>
-                <a:shade val="78000"/>
-              </a:schemeClr>
-            </a:gs>
-          </a:gsLst>
-          <a:lin ang="5400000" scaled="0"/>
-        </a:gradFill>
-        <a:ln w="6350" cap="flat" cmpd="sng" algn="ctr">
+        <a:solidFill>
+          <a:schemeClr val="accent2">
+            <a:hueOff val="0"/>
+            <a:satOff val="0"/>
+            <a:lumOff val="0"/>
+            <a:alphaOff val="0"/>
+          </a:schemeClr>
+        </a:solidFill>
+        <a:ln w="12700" cap="flat" cmpd="sng" algn="ctr">
           <a:solidFill>
-            <a:schemeClr val="accent5">
+            <a:schemeClr val="lt1">
               <a:hueOff val="0"/>
               <a:satOff val="0"/>
               <a:lumOff val="0"/>
@@ -4764,69 +4729,31 @@
           <a:prstDash val="solid"/>
           <a:miter lim="800000"/>
         </a:ln>
-        <a:effectLst>
-          <a:outerShdw blurRad="57150" dist="19050" dir="5400000" algn="ctr" rotWithShape="0">
-            <a:srgbClr val="000000">
-              <a:alpha val="63000"/>
-            </a:srgbClr>
-          </a:outerShdw>
-        </a:effectLst>
+        <a:effectLst/>
       </dsp:spPr>
       <dsp:style>
-        <a:lnRef idx="1">
+        <a:lnRef idx="2">
           <a:scrgbClr r="0" g="0" b="0"/>
         </a:lnRef>
-        <a:fillRef idx="3">
+        <a:fillRef idx="1">
           <a:scrgbClr r="0" g="0" b="0"/>
         </a:fillRef>
-        <a:effectRef idx="3">
+        <a:effectRef idx="0">
           <a:scrgbClr r="0" g="0" b="0"/>
         </a:effectRef>
         <a:fontRef idx="minor">
           <a:schemeClr val="lt1"/>
         </a:fontRef>
       </dsp:style>
-    </dsp:sp>
-    <dsp:sp modelId="{39573F2E-3660-46EB-91ED-6E0E3202E334}">
-      <dsp:nvSpPr>
-        <dsp:cNvPr id="0" name=""/>
-        <dsp:cNvSpPr/>
-      </dsp:nvSpPr>
-      <dsp:spPr>
-        <a:xfrm>
-          <a:off x="0" y="0"/>
-          <a:ext cx="4640729" cy="1943792"/>
-        </a:xfrm>
-        <a:prstGeom prst="rect">
-          <a:avLst/>
-        </a:prstGeom>
-        <a:noFill/>
-        <a:ln>
-          <a:noFill/>
-        </a:ln>
-        <a:effectLst/>
-      </dsp:spPr>
-      <dsp:style>
-        <a:lnRef idx="0">
-          <a:scrgbClr r="0" g="0" b="0"/>
-        </a:lnRef>
-        <a:fillRef idx="0">
-          <a:scrgbClr r="0" g="0" b="0"/>
-        </a:fillRef>
-        <a:effectRef idx="0">
-          <a:scrgbClr r="0" g="0" b="0"/>
-        </a:effectRef>
-        <a:fontRef idx="minor"/>
-      </dsp:style>
       <dsp:txBody>
-        <a:bodyPr spcFirstLastPara="0" vert="horz" wrap="square" lIns="80010" tIns="80010" rIns="80010" bIns="80010" numCol="1" spcCol="1270" anchor="t" anchorCtr="0">
+        <a:bodyPr spcFirstLastPara="0" vert="horz" wrap="square" lIns="68580" tIns="68580" rIns="68580" bIns="68580" numCol="1" spcCol="1270" anchor="ctr" anchorCtr="0">
           <a:noAutofit/>
         </a:bodyPr>
         <a:lstStyle/>
         <a:p>
-          <a:pPr marL="0" lvl="0" indent="0" algn="l" defTabSz="933450">
+          <a:pPr marL="0" lvl="0" indent="0" algn="l" defTabSz="800100">
             <a:lnSpc>
-              <a:spcPct val="90000"/>
+              <a:spcPct val="100000"/>
             </a:lnSpc>
             <a:spcBef>
               <a:spcPct val="0"/>
@@ -4837,143 +4764,75 @@
             <a:buNone/>
           </a:pPr>
           <a:r>
-            <a:rPr lang="en-IN" sz="2100" kern="1200"/>
+            <a:rPr lang="en-IN" sz="1800" kern="1200"/>
             <a:t>The goal of the case study is to Predict who is likely going to click on the Advertisement so it can contribute to the more revenue generation to the organization</a:t>
           </a:r>
-          <a:endParaRPr lang="en-US" sz="2100" kern="1200"/>
+          <a:endParaRPr lang="en-US" sz="1800" kern="1200"/>
         </a:p>
       </dsp:txBody>
       <dsp:txXfrm>
-        <a:off x="0" y="0"/>
-        <a:ext cx="4640729" cy="1943792"/>
+        <a:off x="89956" y="165078"/>
+        <a:ext cx="4460817" cy="1662838"/>
       </dsp:txXfrm>
     </dsp:sp>
-    <dsp:sp modelId="{84C48728-CDE7-44AB-B846-67E26C963379}">
+    <dsp:sp modelId="{2423FDDA-0D44-4966-8E10-E6035A2DEA06}">
       <dsp:nvSpPr>
         <dsp:cNvPr id="0" name=""/>
         <dsp:cNvSpPr/>
       </dsp:nvSpPr>
       <dsp:spPr>
         <a:xfrm>
-          <a:off x="0" y="1943792"/>
-          <a:ext cx="4640729" cy="0"/>
+          <a:off x="0" y="1969712"/>
+          <a:ext cx="4640729" cy="1842750"/>
         </a:xfrm>
-        <a:prstGeom prst="line">
+        <a:prstGeom prst="roundRect">
           <a:avLst/>
         </a:prstGeom>
-        <a:gradFill rotWithShape="0">
-          <a:gsLst>
-            <a:gs pos="0">
-              <a:schemeClr val="accent5">
-                <a:hueOff val="2191678"/>
-                <a:satOff val="-14598"/>
-                <a:lumOff val="-23137"/>
-                <a:alphaOff val="0"/>
-                <a:satMod val="103000"/>
-                <a:lumMod val="102000"/>
-                <a:tint val="94000"/>
-              </a:schemeClr>
-            </a:gs>
-            <a:gs pos="50000">
-              <a:schemeClr val="accent5">
-                <a:hueOff val="2191678"/>
-                <a:satOff val="-14598"/>
-                <a:lumOff val="-23137"/>
-                <a:alphaOff val="0"/>
-                <a:satMod val="110000"/>
-                <a:lumMod val="100000"/>
-                <a:shade val="100000"/>
-              </a:schemeClr>
-            </a:gs>
-            <a:gs pos="100000">
-              <a:schemeClr val="accent5">
-                <a:hueOff val="2191678"/>
-                <a:satOff val="-14598"/>
-                <a:lumOff val="-23137"/>
-                <a:alphaOff val="0"/>
-                <a:lumMod val="99000"/>
-                <a:satMod val="120000"/>
-                <a:shade val="78000"/>
-              </a:schemeClr>
-            </a:gs>
-          </a:gsLst>
-          <a:lin ang="5400000" scaled="0"/>
-        </a:gradFill>
-        <a:ln w="6350" cap="flat" cmpd="sng" algn="ctr">
+        <a:solidFill>
+          <a:schemeClr val="accent2">
+            <a:hueOff val="11635776"/>
+            <a:satOff val="-69541"/>
+            <a:lumOff val="-13922"/>
+            <a:alphaOff val="0"/>
+          </a:schemeClr>
+        </a:solidFill>
+        <a:ln w="12700" cap="flat" cmpd="sng" algn="ctr">
           <a:solidFill>
-            <a:schemeClr val="accent5">
-              <a:hueOff val="2191678"/>
-              <a:satOff val="-14598"/>
-              <a:lumOff val="-23137"/>
+            <a:schemeClr val="lt1">
+              <a:hueOff val="0"/>
+              <a:satOff val="0"/>
+              <a:lumOff val="0"/>
               <a:alphaOff val="0"/>
             </a:schemeClr>
           </a:solidFill>
           <a:prstDash val="solid"/>
           <a:miter lim="800000"/>
         </a:ln>
-        <a:effectLst>
-          <a:outerShdw blurRad="57150" dist="19050" dir="5400000" algn="ctr" rotWithShape="0">
-            <a:srgbClr val="000000">
-              <a:alpha val="63000"/>
-            </a:srgbClr>
-          </a:outerShdw>
-        </a:effectLst>
+        <a:effectLst/>
       </dsp:spPr>
       <dsp:style>
-        <a:lnRef idx="1">
+        <a:lnRef idx="2">
           <a:scrgbClr r="0" g="0" b="0"/>
         </a:lnRef>
-        <a:fillRef idx="3">
+        <a:fillRef idx="1">
           <a:scrgbClr r="0" g="0" b="0"/>
         </a:fillRef>
-        <a:effectRef idx="3">
+        <a:effectRef idx="0">
           <a:scrgbClr r="0" g="0" b="0"/>
         </a:effectRef>
         <a:fontRef idx="minor">
           <a:schemeClr val="lt1"/>
         </a:fontRef>
       </dsp:style>
-    </dsp:sp>
-    <dsp:sp modelId="{CB111314-6801-40D9-9773-06C28C09408A}">
-      <dsp:nvSpPr>
-        <dsp:cNvPr id="0" name=""/>
-        <dsp:cNvSpPr/>
-      </dsp:nvSpPr>
-      <dsp:spPr>
-        <a:xfrm>
-          <a:off x="0" y="1943792"/>
-          <a:ext cx="4640729" cy="1943792"/>
-        </a:xfrm>
-        <a:prstGeom prst="rect">
-          <a:avLst/>
-        </a:prstGeom>
-        <a:noFill/>
-        <a:ln>
-          <a:noFill/>
-        </a:ln>
-        <a:effectLst/>
-      </dsp:spPr>
-      <dsp:style>
-        <a:lnRef idx="0">
-          <a:scrgbClr r="0" g="0" b="0"/>
-        </a:lnRef>
-        <a:fillRef idx="0">
-          <a:scrgbClr r="0" g="0" b="0"/>
-        </a:fillRef>
-        <a:effectRef idx="0">
-          <a:scrgbClr r="0" g="0" b="0"/>
-        </a:effectRef>
-        <a:fontRef idx="minor"/>
-      </dsp:style>
       <dsp:txBody>
-        <a:bodyPr spcFirstLastPara="0" vert="horz" wrap="square" lIns="80010" tIns="80010" rIns="80010" bIns="80010" numCol="1" spcCol="1270" anchor="t" anchorCtr="0">
+        <a:bodyPr spcFirstLastPara="0" vert="horz" wrap="square" lIns="68580" tIns="68580" rIns="68580" bIns="68580" numCol="1" spcCol="1270" anchor="ctr" anchorCtr="0">
           <a:noAutofit/>
         </a:bodyPr>
         <a:lstStyle/>
         <a:p>
-          <a:pPr marL="0" lvl="0" indent="0" algn="l" defTabSz="933450">
+          <a:pPr marL="0" lvl="0" indent="0" algn="l" defTabSz="800100">
             <a:lnSpc>
-              <a:spcPct val="90000"/>
+              <a:spcPct val="100000"/>
             </a:lnSpc>
             <a:spcBef>
               <a:spcPct val="0"/>
@@ -4984,14 +4843,14 @@
             <a:buNone/>
           </a:pPr>
           <a:r>
-            <a:rPr lang="en-US" sz="2100" kern="1200"/>
+            <a:rPr lang="en-US" sz="1800" kern="1200"/>
             <a:t>Considering this objective, we are running a **Logistic regression model** on target/dependent variable to analyze the influence of several independent factors that affect our target variables . </a:t>
           </a:r>
         </a:p>
       </dsp:txBody>
       <dsp:txXfrm>
-        <a:off x="0" y="1943792"/>
-        <a:ext cx="4640729" cy="1943792"/>
+        <a:off x="89956" y="2059668"/>
+        <a:ext cx="4460817" cy="1662838"/>
       </dsp:txXfrm>
     </dsp:sp>
   </dsp:spTree>
@@ -6779,12 +6638,12 @@
 </file>
 
 <file path=ppt/diagrams/layout1.xml><?xml version="1.0" encoding="utf-8"?>
-<dgm:layoutDef xmlns:dgm="http://schemas.openxmlformats.org/drawingml/2006/diagram" xmlns:a="http://schemas.openxmlformats.org/drawingml/2006/main" uniqueId="urn:microsoft.com/office/officeart/2008/layout/LinedList">
+<dgm:layoutDef xmlns:dgm="http://schemas.openxmlformats.org/drawingml/2006/diagram" xmlns:a="http://schemas.openxmlformats.org/drawingml/2006/main" uniqueId="urn:microsoft.com/office/officeart/2005/8/layout/vList2">
   <dgm:title val=""/>
   <dgm:desc val=""/>
   <dgm:catLst>
-    <dgm:cat type="hierarchy" pri="8000"/>
-    <dgm:cat type="list" pri="2500"/>
+    <dgm:cat type="list" pri="3000"/>
+    <dgm:cat type="convert" pri="1000"/>
   </dgm:catLst>
   <dgm:sampData>
     <dgm:dataModel>
@@ -6796,18 +6655,18 @@
         <dgm:pt modelId="11">
           <dgm:prSet phldr="1"/>
         </dgm:pt>
-        <dgm:pt modelId="12">
+        <dgm:pt modelId="2">
           <dgm:prSet phldr="1"/>
         </dgm:pt>
-        <dgm:pt modelId="13">
+        <dgm:pt modelId="21">
           <dgm:prSet phldr="1"/>
         </dgm:pt>
       </dgm:ptLst>
       <dgm:cxnLst>
-        <dgm:cxn modelId="2" srcId="0" destId="1" srcOrd="0" destOrd="0"/>
-        <dgm:cxn modelId="3" srcId="1" destId="11" srcOrd="0" destOrd="0"/>
-        <dgm:cxn modelId="4" srcId="1" destId="12" srcOrd="1" destOrd="0"/>
-        <dgm:cxn modelId="5" srcId="1" destId="13" srcOrd="2" destOrd="0"/>
+        <dgm:cxn modelId="4" srcId="0" destId="1" srcOrd="0" destOrd="0"/>
+        <dgm:cxn modelId="5" srcId="0" destId="2" srcOrd="1" destOrd="0"/>
+        <dgm:cxn modelId="12" srcId="1" destId="11" srcOrd="0" destOrd="0"/>
+        <dgm:cxn modelId="23" srcId="2" destId="21" srcOrd="0" destOrd="0"/>
       </dgm:cxnLst>
       <dgm:bg/>
       <dgm:whole/>
@@ -6817,20 +6676,12 @@
     <dgm:dataModel>
       <dgm:ptLst>
         <dgm:pt modelId="0" type="doc"/>
-        <dgm:pt modelId="1">
-          <dgm:prSet phldr="1"/>
-        </dgm:pt>
-        <dgm:pt modelId="11">
-          <dgm:prSet phldr="1"/>
-        </dgm:pt>
-        <dgm:pt modelId="12">
-          <dgm:prSet phldr="1"/>
-        </dgm:pt>
+        <dgm:pt modelId="1"/>
+        <dgm:pt modelId="2"/>
       </dgm:ptLst>
       <dgm:cxnLst>
-        <dgm:cxn modelId="2" srcId="0" destId="1" srcOrd="0" destOrd="0"/>
-        <dgm:cxn modelId="3" srcId="1" destId="11" srcOrd="0" destOrd="0"/>
-        <dgm:cxn modelId="4" srcId="1" destId="12" srcOrd="1" destOrd="0"/>
+        <dgm:cxn modelId="3" srcId="0" destId="1" srcOrd="0" destOrd="0"/>
+        <dgm:cxn modelId="4" srcId="0" destId="2" srcOrd="1" destOrd="0"/>
       </dgm:cxnLst>
       <dgm:bg/>
       <dgm:whole/>
@@ -6840,405 +6691,114 @@
     <dgm:dataModel>
       <dgm:ptLst>
         <dgm:pt modelId="0" type="doc"/>
-        <dgm:pt modelId="1">
-          <dgm:prSet phldr="1"/>
-        </dgm:pt>
-        <dgm:pt modelId="11">
-          <dgm:prSet phldr="1"/>
-        </dgm:pt>
-        <dgm:pt modelId="12">
-          <dgm:prSet phldr="1"/>
-        </dgm:pt>
+        <dgm:pt modelId="1"/>
+        <dgm:pt modelId="2"/>
+        <dgm:pt modelId="3"/>
+        <dgm:pt modelId="4"/>
       </dgm:ptLst>
       <dgm:cxnLst>
-        <dgm:cxn modelId="2" srcId="0" destId="1" srcOrd="0" destOrd="0"/>
-        <dgm:cxn modelId="3" srcId="1" destId="11" srcOrd="0" destOrd="0"/>
-        <dgm:cxn modelId="4" srcId="1" destId="12" srcOrd="1" destOrd="0"/>
+        <dgm:cxn modelId="5" srcId="0" destId="1" srcOrd="0" destOrd="0"/>
+        <dgm:cxn modelId="6" srcId="0" destId="2" srcOrd="1" destOrd="0"/>
+        <dgm:cxn modelId="7" srcId="0" destId="3" srcOrd="2" destOrd="0"/>
+        <dgm:cxn modelId="8" srcId="0" destId="4" srcOrd="3" destOrd="0"/>
       </dgm:cxnLst>
       <dgm:bg/>
       <dgm:whole/>
     </dgm:dataModel>
   </dgm:clrData>
-  <dgm:layoutNode name="vert0">
+  <dgm:layoutNode name="linear">
     <dgm:varLst>
-      <dgm:dir/>
-      <dgm:animOne val="branch"/>
       <dgm:animLvl val="lvl"/>
+      <dgm:resizeHandles val="exact"/>
     </dgm:varLst>
-    <dgm:choose name="Name0">
-      <dgm:if name="Name1" func="var" arg="dir" op="equ" val="norm">
-        <dgm:alg type="lin">
-          <dgm:param type="linDir" val="fromT"/>
-          <dgm:param type="nodeHorzAlign" val="l"/>
-        </dgm:alg>
-      </dgm:if>
-      <dgm:else name="Name2">
-        <dgm:alg type="lin">
-          <dgm:param type="linDir" val="fromT"/>
-          <dgm:param type="nodeHorzAlign" val="r"/>
-        </dgm:alg>
-      </dgm:else>
-    </dgm:choose>
+    <dgm:alg type="lin">
+      <dgm:param type="linDir" val="fromT"/>
+      <dgm:param type="vertAlign" val="mid"/>
+    </dgm:alg>
     <dgm:shape xmlns:r="http://schemas.openxmlformats.org/officeDocument/2006/relationships" r:blip="">
       <dgm:adjLst/>
     </dgm:shape>
     <dgm:presOf/>
     <dgm:constrLst>
-      <dgm:constr type="w" for="ch" forName="horz1" refType="w"/>
-      <dgm:constr type="h" for="ch" forName="horz1" refType="h"/>
-      <dgm:constr type="h" for="des" forName="vert1" refType="h"/>
-      <dgm:constr type="h" for="des" forName="tx1" refType="h"/>
-      <dgm:constr type="h" for="des" forName="horz2" refType="h"/>
-      <dgm:constr type="h" for="des" forName="vert2" refType="h"/>
-      <dgm:constr type="h" for="des" forName="horz3" refType="h"/>
-      <dgm:constr type="h" for="des" forName="vert3" refType="h"/>
-      <dgm:constr type="h" for="des" forName="horz4" refType="h"/>
-      <dgm:constr type="h" for="des" ptType="node" refType="h"/>
-      <dgm:constr type="primFontSz" for="des" forName="tx1" op="equ" val="65"/>
-      <dgm:constr type="primFontSz" for="des" forName="tx2" op="equ" val="65"/>
-      <dgm:constr type="primFontSz" for="des" forName="tx3" op="equ" val="65"/>
-      <dgm:constr type="primFontSz" for="des" forName="tx4" op="equ" val="65"/>
-      <dgm:constr type="w" for="des" forName="thickLine" refType="w"/>
-      <dgm:constr type="h" for="des" forName="thickLine"/>
-      <dgm:constr type="h" for="des" forName="thinLine1"/>
-      <dgm:constr type="h" for="des" forName="thinLine2b"/>
-      <dgm:constr type="h" for="des" forName="thinLine3"/>
-      <dgm:constr type="h" for="des" forName="vertSpace2a" refType="h" fact="0.05"/>
-      <dgm:constr type="h" for="des" forName="vertSpace2b" refType="h" refFor="des" refForName="vertSpace2a"/>
+      <dgm:constr type="w" for="ch" forName="parentText" refType="w"/>
+      <dgm:constr type="h" for="ch" forName="parentText" refType="primFontSz" refFor="ch" refForName="parentText" fact="0.52"/>
+      <dgm:constr type="w" for="ch" forName="childText" refType="w"/>
+      <dgm:constr type="h" for="ch" forName="childText" refType="primFontSz" refFor="ch" refForName="parentText" fact="0.46"/>
+      <dgm:constr type="h" for="ch" forName="parentText" op="equ"/>
+      <dgm:constr type="primFontSz" for="ch" forName="parentText" op="equ" val="65"/>
+      <dgm:constr type="primFontSz" for="ch" forName="childText" refType="primFontSz" refFor="ch" refForName="parentText" op="equ"/>
+      <dgm:constr type="h" for="ch" forName="spacer" refType="primFontSz" refFor="ch" refForName="parentText" fact="0.08"/>
     </dgm:constrLst>
-    <dgm:forEach name="Name3" axis="ch" ptType="node">
-      <dgm:layoutNode name="thickLine" styleLbl="alignNode1">
-        <dgm:alg type="sp"/>
-        <dgm:shape xmlns:r="http://schemas.openxmlformats.org/officeDocument/2006/relationships" type="line" r:blip="">
+    <dgm:ruleLst>
+      <dgm:rule type="primFontSz" for="ch" forName="parentText" val="5" fact="NaN" max="NaN"/>
+    </dgm:ruleLst>
+    <dgm:forEach name="Name0" axis="ch" ptType="node">
+      <dgm:layoutNode name="parentText" styleLbl="node1">
+        <dgm:varLst>
+          <dgm:chMax val="0"/>
+          <dgm:bulletEnabled val="1"/>
+        </dgm:varLst>
+        <dgm:alg type="tx">
+          <dgm:param type="parTxLTRAlign" val="l"/>
+          <dgm:param type="parTxRTLAlign" val="r"/>
+        </dgm:alg>
+        <dgm:shape xmlns:r="http://schemas.openxmlformats.org/officeDocument/2006/relationships" type="roundRect" r:blip="">
           <dgm:adjLst/>
         </dgm:shape>
-        <dgm:presOf/>
+        <dgm:presOf axis="self"/>
+        <dgm:constrLst>
+          <dgm:constr type="tMarg" refType="primFontSz" fact="0.3"/>
+          <dgm:constr type="bMarg" refType="primFontSz" fact="0.3"/>
+          <dgm:constr type="lMarg" refType="primFontSz" fact="0.3"/>
+          <dgm:constr type="rMarg" refType="primFontSz" fact="0.3"/>
+        </dgm:constrLst>
+        <dgm:ruleLst>
+          <dgm:rule type="h" val="INF" fact="NaN" max="NaN"/>
+        </dgm:ruleLst>
       </dgm:layoutNode>
-      <dgm:layoutNode name="horz1">
-        <dgm:choose name="Name4">
-          <dgm:if name="Name5" func="var" arg="dir" op="equ" val="norm">
-            <dgm:alg type="lin">
-              <dgm:param type="linDir" val="fromL"/>
-              <dgm:param type="nodeVertAlign" val="t"/>
+      <dgm:choose name="Name1">
+        <dgm:if name="Name2" axis="ch" ptType="node" func="cnt" op="gte" val="1">
+          <dgm:layoutNode name="childText" styleLbl="revTx">
+            <dgm:varLst>
+              <dgm:bulletEnabled val="1"/>
+            </dgm:varLst>
+            <dgm:alg type="tx">
+              <dgm:param type="stBulletLvl" val="1"/>
+              <dgm:param type="lnSpAfChP" val="20"/>
             </dgm:alg>
-          </dgm:if>
-          <dgm:else name="Name6">
-            <dgm:alg type="lin">
-              <dgm:param type="linDir" val="fromR"/>
-              <dgm:param type="nodeVertAlign" val="t"/>
-            </dgm:alg>
-          </dgm:else>
-        </dgm:choose>
-        <dgm:shape xmlns:r="http://schemas.openxmlformats.org/officeDocument/2006/relationships" r:blip="">
-          <dgm:adjLst/>
-        </dgm:shape>
-        <dgm:presOf/>
-        <dgm:choose name="Name7">
-          <dgm:if name="Name8" axis="root des" func="maxDepth" op="equ" val="1">
+            <dgm:shape xmlns:r="http://schemas.openxmlformats.org/officeDocument/2006/relationships" type="rect" r:blip="">
+              <dgm:adjLst/>
+            </dgm:shape>
+            <dgm:presOf axis="des" ptType="node"/>
             <dgm:constrLst>
-              <dgm:constr type="w" for="ch" forName="tx1" refType="w"/>
+              <dgm:constr type="tMarg" refType="primFontSz" fact="0.1"/>
+              <dgm:constr type="bMarg" refType="primFontSz" fact="0.1"/>
+              <dgm:constr type="lMarg" refType="w" fact="0.09"/>
             </dgm:constrLst>
-          </dgm:if>
-          <dgm:if name="Name9" axis="root des" func="maxDepth" op="equ" val="2">
-            <dgm:constrLst>
-              <dgm:constr type="w" for="ch" forName="tx1" refType="w" fact="0.2"/>
-              <dgm:constr type="w" for="des" forName="tx2" refType="w" fact="0.785"/>
-              <dgm:constr type="w" for="des" forName="horzSpace2" refType="w" fact="0.015"/>
-              <dgm:constr type="w" for="des" forName="thinLine2b" refType="w" fact="0.8"/>
-            </dgm:constrLst>
-          </dgm:if>
-          <dgm:if name="Name10" axis="root des" func="maxDepth" op="equ" val="3">
-            <dgm:constrLst>
-              <dgm:constr type="w" for="ch" forName="tx1" refType="w" fact="0.2"/>
-              <dgm:constr type="w" for="des" forName="tx2" refType="w" fact="0.385"/>
-              <dgm:constr type="w" for="des" forName="tx3" refType="w" fact="0.385"/>
-              <dgm:constr type="w" for="des" forName="horzSpace2" refType="w" fact="0.015"/>
-              <dgm:constr type="w" for="des" forName="horzSpace3" refType="w" fact="0.015"/>
-              <dgm:constr type="w" for="des" forName="thinLine2b" refType="w" fact="0.8"/>
-              <dgm:constr type="w" for="des" forName="thinLine3" refType="w" fact="0.385"/>
-            </dgm:constrLst>
-          </dgm:if>
-          <dgm:if name="Name11" axis="root des" func="maxDepth" op="gte" val="4">
-            <dgm:constrLst>
-              <dgm:constr type="w" for="ch" forName="tx1" refType="w" fact="0.2"/>
-              <dgm:constr type="w" for="des" forName="tx2" refType="w" fact="0.2516"/>
-              <dgm:constr type="w" for="des" forName="tx3" refType="w" fact="0.2516"/>
-              <dgm:constr type="w" for="des" forName="tx4" refType="w" fact="0.2516"/>
-              <dgm:constr type="w" for="des" forName="horzSpace2" refType="w" fact="0.015"/>
-              <dgm:constr type="w" for="des" forName="horzSpace3" refType="w" fact="0.015"/>
-              <dgm:constr type="w" for="des" forName="horzSpace4" refType="w" fact="0.015"/>
-              <dgm:constr type="w" for="des" forName="thinLine2b" refType="w" fact="0.8"/>
-              <dgm:constr type="w" for="des" forName="thinLine3" refType="w" fact="0.5332"/>
-            </dgm:constrLst>
-          </dgm:if>
-          <dgm:else name="Name12"/>
-        </dgm:choose>
-        <dgm:layoutNode name="tx1" styleLbl="revTx">
-          <dgm:alg type="tx">
-            <dgm:param type="parTxLTRAlign" val="l"/>
-            <dgm:param type="parTxRTLAlign" val="r"/>
-            <dgm:param type="txAnchorVert" val="t"/>
-          </dgm:alg>
-          <dgm:shape xmlns:r="http://schemas.openxmlformats.org/officeDocument/2006/relationships" type="rect" r:blip="">
-            <dgm:adjLst/>
-          </dgm:shape>
-          <dgm:presOf axis="self"/>
-          <dgm:constrLst>
-            <dgm:constr type="tMarg" refType="primFontSz" fact="0.3"/>
-            <dgm:constr type="bMarg" refType="primFontSz" fact="0.3"/>
-            <dgm:constr type="lMarg" refType="primFontSz" fact="0.3"/>
-            <dgm:constr type="rMarg" refType="primFontSz" fact="0.3"/>
-          </dgm:constrLst>
-          <dgm:ruleLst>
-            <dgm:rule type="primFontSz" val="5" fact="NaN" max="NaN"/>
-          </dgm:ruleLst>
-        </dgm:layoutNode>
-        <dgm:layoutNode name="vert1">
-          <dgm:choose name="Name13">
-            <dgm:if name="Name14" func="var" arg="dir" op="equ" val="norm">
-              <dgm:alg type="lin">
-                <dgm:param type="linDir" val="fromT"/>
-                <dgm:param type="nodeHorzAlign" val="l"/>
-              </dgm:alg>
-            </dgm:if>
-            <dgm:else name="Name15">
-              <dgm:alg type="lin">
-                <dgm:param type="linDir" val="fromT"/>
-                <dgm:param type="nodeHorzAlign" val="r"/>
-              </dgm:alg>
-            </dgm:else>
-          </dgm:choose>
-          <dgm:shape xmlns:r="http://schemas.openxmlformats.org/officeDocument/2006/relationships" r:blip="">
-            <dgm:adjLst/>
-          </dgm:shape>
-          <dgm:presOf/>
-          <dgm:forEach name="Name16" axis="ch" ptType="node">
-            <dgm:choose name="Name17">
-              <dgm:if name="Name18" axis="self" ptType="node" func="pos" op="equ" val="1">
-                <dgm:layoutNode name="vertSpace2a">
+            <dgm:ruleLst>
+              <dgm:rule type="h" val="INF" fact="NaN" max="NaN"/>
+            </dgm:ruleLst>
+          </dgm:layoutNode>
+        </dgm:if>
+        <dgm:else name="Name3">
+          <dgm:choose name="Name4">
+            <dgm:if name="Name5" axis="par ch" ptType="doc node" func="cnt" op="gte" val="2">
+              <dgm:forEach name="Name6" axis="followSib" ptType="sibTrans" cnt="1">
+                <dgm:layoutNode name="spacer">
                   <dgm:alg type="sp"/>
                   <dgm:shape xmlns:r="http://schemas.openxmlformats.org/officeDocument/2006/relationships" r:blip="">
                     <dgm:adjLst/>
                   </dgm:shape>
                   <dgm:presOf/>
+                  <dgm:constrLst/>
+                  <dgm:ruleLst/>
                 </dgm:layoutNode>
-              </dgm:if>
-              <dgm:else name="Name19"/>
-            </dgm:choose>
-            <dgm:layoutNode name="horz2">
-              <dgm:choose name="Name20">
-                <dgm:if name="Name21" func="var" arg="dir" op="equ" val="norm">
-                  <dgm:alg type="lin">
-                    <dgm:param type="linDir" val="fromL"/>
-                    <dgm:param type="nodeVertAlign" val="t"/>
-                  </dgm:alg>
-                </dgm:if>
-                <dgm:else name="Name22">
-                  <dgm:alg type="lin">
-                    <dgm:param type="linDir" val="fromR"/>
-                    <dgm:param type="nodeVertAlign" val="t"/>
-                  </dgm:alg>
-                </dgm:else>
-              </dgm:choose>
-              <dgm:shape xmlns:r="http://schemas.openxmlformats.org/officeDocument/2006/relationships" r:blip="">
-                <dgm:adjLst/>
-              </dgm:shape>
-              <dgm:presOf/>
-              <dgm:layoutNode name="horzSpace2">
-                <dgm:alg type="sp"/>
-                <dgm:shape xmlns:r="http://schemas.openxmlformats.org/officeDocument/2006/relationships" r:blip="">
-                  <dgm:adjLst/>
-                </dgm:shape>
-                <dgm:presOf/>
-              </dgm:layoutNode>
-              <dgm:layoutNode name="tx2" styleLbl="revTx">
-                <dgm:alg type="tx">
-                  <dgm:param type="parTxLTRAlign" val="l"/>
-                  <dgm:param type="parTxRTLAlign" val="r"/>
-                  <dgm:param type="txAnchorVert" val="t"/>
-                </dgm:alg>
-                <dgm:shape xmlns:r="http://schemas.openxmlformats.org/officeDocument/2006/relationships" type="rect" r:blip="">
-                  <dgm:adjLst/>
-                </dgm:shape>
-                <dgm:presOf axis="self"/>
-                <dgm:constrLst>
-                  <dgm:constr type="tMarg" refType="primFontSz" fact="0.3"/>
-                  <dgm:constr type="bMarg" refType="primFontSz" fact="0.3"/>
-                  <dgm:constr type="lMarg" refType="primFontSz" fact="0.3"/>
-                  <dgm:constr type="rMarg" refType="primFontSz" fact="0.3"/>
-                </dgm:constrLst>
-                <dgm:ruleLst>
-                  <dgm:rule type="primFontSz" val="5" fact="NaN" max="NaN"/>
-                </dgm:ruleLst>
-              </dgm:layoutNode>
-              <dgm:layoutNode name="vert2">
-                <dgm:choose name="Name23">
-                  <dgm:if name="Name24" func="var" arg="dir" op="equ" val="norm">
-                    <dgm:alg type="lin">
-                      <dgm:param type="linDir" val="fromT"/>
-                      <dgm:param type="nodeHorzAlign" val="l"/>
-                    </dgm:alg>
-                  </dgm:if>
-                  <dgm:else name="Name25">
-                    <dgm:alg type="lin">
-                      <dgm:param type="linDir" val="fromT"/>
-                      <dgm:param type="nodeHorzAlign" val="r"/>
-                    </dgm:alg>
-                  </dgm:else>
-                </dgm:choose>
-                <dgm:shape xmlns:r="http://schemas.openxmlformats.org/officeDocument/2006/relationships" r:blip="">
-                  <dgm:adjLst/>
-                </dgm:shape>
-                <dgm:presOf/>
-                <dgm:forEach name="Name26" axis="ch" ptType="node">
-                  <dgm:layoutNode name="horz3">
-                    <dgm:choose name="Name27">
-                      <dgm:if name="Name28" func="var" arg="dir" op="equ" val="norm">
-                        <dgm:alg type="lin">
-                          <dgm:param type="linDir" val="fromL"/>
-                          <dgm:param type="nodeVertAlign" val="t"/>
-                        </dgm:alg>
-                      </dgm:if>
-                      <dgm:else name="Name29">
-                        <dgm:alg type="lin">
-                          <dgm:param type="linDir" val="fromR"/>
-                          <dgm:param type="nodeVertAlign" val="t"/>
-                        </dgm:alg>
-                      </dgm:else>
-                    </dgm:choose>
-                    <dgm:shape xmlns:r="http://schemas.openxmlformats.org/officeDocument/2006/relationships" r:blip="">
-                      <dgm:adjLst/>
-                    </dgm:shape>
-                    <dgm:presOf/>
-                    <dgm:layoutNode name="horzSpace3">
-                      <dgm:alg type="sp"/>
-                      <dgm:shape xmlns:r="http://schemas.openxmlformats.org/officeDocument/2006/relationships" r:blip="">
-                        <dgm:adjLst/>
-                      </dgm:shape>
-                      <dgm:presOf/>
-                    </dgm:layoutNode>
-                    <dgm:layoutNode name="tx3" styleLbl="revTx">
-                      <dgm:alg type="tx">
-                        <dgm:param type="parTxLTRAlign" val="l"/>
-                        <dgm:param type="parTxRTLAlign" val="r"/>
-                        <dgm:param type="txAnchorVert" val="t"/>
-                      </dgm:alg>
-                      <dgm:shape xmlns:r="http://schemas.openxmlformats.org/officeDocument/2006/relationships" type="rect" r:blip="">
-                        <dgm:adjLst/>
-                      </dgm:shape>
-                      <dgm:presOf axis="self"/>
-                      <dgm:constrLst>
-                        <dgm:constr type="tMarg" refType="primFontSz" fact="0.3"/>
-                        <dgm:constr type="bMarg" refType="primFontSz" fact="0.3"/>
-                        <dgm:constr type="lMarg" refType="primFontSz" fact="0.3"/>
-                        <dgm:constr type="rMarg" refType="primFontSz" fact="0.3"/>
-                      </dgm:constrLst>
-                      <dgm:ruleLst>
-                        <dgm:rule type="primFontSz" val="5" fact="NaN" max="NaN"/>
-                      </dgm:ruleLst>
-                    </dgm:layoutNode>
-                    <dgm:layoutNode name="vert3">
-                      <dgm:choose name="Name30">
-                        <dgm:if name="Name31" func="var" arg="dir" op="equ" val="norm">
-                          <dgm:alg type="lin">
-                            <dgm:param type="linDir" val="fromT"/>
-                            <dgm:param type="nodeHorzAlign" val="l"/>
-                          </dgm:alg>
-                        </dgm:if>
-                        <dgm:else name="Name32">
-                          <dgm:alg type="lin">
-                            <dgm:param type="linDir" val="fromT"/>
-                            <dgm:param type="nodeHorzAlign" val="r"/>
-                          </dgm:alg>
-                        </dgm:else>
-                      </dgm:choose>
-                      <dgm:shape xmlns:r="http://schemas.openxmlformats.org/officeDocument/2006/relationships" r:blip="">
-                        <dgm:adjLst/>
-                      </dgm:shape>
-                      <dgm:presOf/>
-                      <dgm:forEach name="Name33" axis="ch" ptType="node">
-                        <dgm:layoutNode name="horz4">
-                          <dgm:choose name="Name34">
-                            <dgm:if name="Name35" func="var" arg="dir" op="equ" val="norm">
-                              <dgm:alg type="lin">
-                                <dgm:param type="linDir" val="fromL"/>
-                                <dgm:param type="nodeVertAlign" val="t"/>
-                              </dgm:alg>
-                            </dgm:if>
-                            <dgm:else name="Name36">
-                              <dgm:alg type="lin">
-                                <dgm:param type="linDir" val="fromR"/>
-                                <dgm:param type="nodeVertAlign" val="t"/>
-                              </dgm:alg>
-                            </dgm:else>
-                          </dgm:choose>
-                          <dgm:shape xmlns:r="http://schemas.openxmlformats.org/officeDocument/2006/relationships" r:blip="">
-                            <dgm:adjLst/>
-                          </dgm:shape>
-                          <dgm:presOf/>
-                          <dgm:layoutNode name="horzSpace4">
-                            <dgm:alg type="sp"/>
-                            <dgm:shape xmlns:r="http://schemas.openxmlformats.org/officeDocument/2006/relationships" r:blip="">
-                              <dgm:adjLst/>
-                            </dgm:shape>
-                            <dgm:presOf/>
-                          </dgm:layoutNode>
-                          <dgm:layoutNode name="tx4" styleLbl="revTx">
-                            <dgm:varLst>
-                              <dgm:bulletEnabled val="1"/>
-                            </dgm:varLst>
-                            <dgm:alg type="tx">
-                              <dgm:param type="parTxLTRAlign" val="l"/>
-                              <dgm:param type="parTxRTLAlign" val="r"/>
-                              <dgm:param type="txAnchorVert" val="t"/>
-                            </dgm:alg>
-                            <dgm:shape xmlns:r="http://schemas.openxmlformats.org/officeDocument/2006/relationships" type="rect" r:blip="">
-                              <dgm:adjLst/>
-                            </dgm:shape>
-                            <dgm:presOf axis="desOrSelf" ptType="node"/>
-                            <dgm:constrLst>
-                              <dgm:constr type="tMarg" refType="primFontSz" fact="0.3"/>
-                              <dgm:constr type="bMarg" refType="primFontSz" fact="0.3"/>
-                              <dgm:constr type="lMarg" refType="primFontSz" fact="0.3"/>
-                              <dgm:constr type="rMarg" refType="primFontSz" fact="0.3"/>
-                            </dgm:constrLst>
-                            <dgm:ruleLst>
-                              <dgm:rule type="primFontSz" val="5" fact="NaN" max="NaN"/>
-                            </dgm:ruleLst>
-                          </dgm:layoutNode>
-                        </dgm:layoutNode>
-                      </dgm:forEach>
-                    </dgm:layoutNode>
-                  </dgm:layoutNode>
-                  <dgm:forEach name="Name37" axis="followSib" ptType="sibTrans" cnt="1">
-                    <dgm:layoutNode name="thinLine3" styleLbl="callout">
-                      <dgm:alg type="sp"/>
-                      <dgm:shape xmlns:r="http://schemas.openxmlformats.org/officeDocument/2006/relationships" type="line" r:blip="">
-                        <dgm:adjLst/>
-                      </dgm:shape>
-                      <dgm:presOf/>
-                    </dgm:layoutNode>
-                  </dgm:forEach>
-                </dgm:forEach>
-              </dgm:layoutNode>
-            </dgm:layoutNode>
-            <dgm:layoutNode name="thinLine2b" styleLbl="callout">
-              <dgm:alg type="sp"/>
-              <dgm:shape xmlns:r="http://schemas.openxmlformats.org/officeDocument/2006/relationships" type="line" r:blip="">
-                <dgm:adjLst/>
-              </dgm:shape>
-              <dgm:presOf/>
-            </dgm:layoutNode>
-            <dgm:layoutNode name="vertSpace2b">
-              <dgm:alg type="sp"/>
-              <dgm:shape xmlns:r="http://schemas.openxmlformats.org/officeDocument/2006/relationships" r:blip="">
-                <dgm:adjLst/>
-              </dgm:shape>
-              <dgm:presOf/>
-            </dgm:layoutNode>
-          </dgm:forEach>
-        </dgm:layoutNode>
-      </dgm:layoutNode>
+              </dgm:forEach>
+            </dgm:if>
+            <dgm:else name="Name7"/>
+          </dgm:choose>
+        </dgm:else>
+      </dgm:choose>
     </dgm:forEach>
   </dgm:layoutNode>
 </dgm:layoutDef>
@@ -7873,11 +7433,11 @@
 </file>
 
 <file path=ppt/diagrams/quickStyle1.xml><?xml version="1.0" encoding="utf-8"?>
-<dgm:styleDef xmlns:dgm="http://schemas.openxmlformats.org/drawingml/2006/diagram" xmlns:a="http://schemas.openxmlformats.org/drawingml/2006/main" uniqueId="urn:microsoft.com/office/officeart/2005/8/quickstyle/simple5">
+<dgm:styleDef xmlns:dgm="http://schemas.openxmlformats.org/drawingml/2006/diagram" xmlns:a="http://schemas.openxmlformats.org/drawingml/2006/main" uniqueId="urn:microsoft.com/office/officeart/2005/8/quickstyle/simple1">
   <dgm:title val=""/>
   <dgm:desc val=""/>
   <dgm:catLst>
-    <dgm:cat type="simple" pri="10500"/>
+    <dgm:cat type="simple" pri="10100"/>
   </dgm:catLst>
   <dgm:scene3d>
     <a:camera prst="orthographicFront"/>
@@ -7891,13 +7451,13 @@
     <dgm:sp3d/>
     <dgm:txPr/>
     <dgm:style>
-      <a:lnRef idx="0">
+      <a:lnRef idx="2">
         <a:scrgbClr r="0" g="0" b="0"/>
       </a:lnRef>
-      <a:fillRef idx="3">
+      <a:fillRef idx="1">
         <a:scrgbClr r="0" g="0" b="0"/>
       </a:fillRef>
-      <a:effectRef idx="3">
+      <a:effectRef idx="0">
         <a:scrgbClr r="0" g="0" b="0"/>
       </a:effectRef>
       <a:fontRef idx="minor">
@@ -7913,13 +7473,13 @@
     <dgm:sp3d/>
     <dgm:txPr/>
     <dgm:style>
-      <a:lnRef idx="0">
+      <a:lnRef idx="2">
         <a:scrgbClr r="0" g="0" b="0"/>
       </a:lnRef>
-      <a:fillRef idx="3">
+      <a:fillRef idx="1">
         <a:scrgbClr r="0" g="0" b="0"/>
       </a:fillRef>
-      <a:effectRef idx="3">
+      <a:effectRef idx="0">
         <a:scrgbClr r="0" g="0" b="0"/>
       </a:effectRef>
       <a:fontRef idx="minor">
@@ -7935,13 +7495,13 @@
     <dgm:sp3d/>
     <dgm:txPr/>
     <dgm:style>
-      <a:lnRef idx="0">
+      <a:lnRef idx="2">
         <a:scrgbClr r="0" g="0" b="0"/>
       </a:lnRef>
-      <a:fillRef idx="3">
+      <a:fillRef idx="1">
         <a:scrgbClr r="0" g="0" b="0"/>
       </a:fillRef>
-      <a:effectRef idx="3">
+      <a:effectRef idx="0">
         <a:scrgbClr r="0" g="0" b="0"/>
       </a:effectRef>
       <a:fontRef idx="minor">
@@ -7957,13 +7517,13 @@
     <dgm:sp3d/>
     <dgm:txPr/>
     <dgm:style>
-      <a:lnRef idx="1">
+      <a:lnRef idx="2">
         <a:scrgbClr r="0" g="0" b="0"/>
       </a:lnRef>
-      <a:fillRef idx="3">
+      <a:fillRef idx="1">
         <a:scrgbClr r="0" g="0" b="0"/>
       </a:fillRef>
-      <a:effectRef idx="3">
+      <a:effectRef idx="0">
         <a:scrgbClr r="0" g="0" b="0"/>
       </a:effectRef>
       <a:fontRef idx="minor">
@@ -7979,13 +7539,13 @@
     <dgm:sp3d/>
     <dgm:txPr/>
     <dgm:style>
-      <a:lnRef idx="0">
+      <a:lnRef idx="2">
         <a:scrgbClr r="0" g="0" b="0"/>
       </a:lnRef>
-      <a:fillRef idx="3">
+      <a:fillRef idx="1">
         <a:scrgbClr r="0" g="0" b="0"/>
       </a:fillRef>
-      <a:effectRef idx="3">
+      <a:effectRef idx="0">
         <a:scrgbClr r="0" g="0" b="0"/>
       </a:effectRef>
       <a:fontRef idx="minor">
@@ -8001,13 +7561,13 @@
     <dgm:sp3d/>
     <dgm:txPr/>
     <dgm:style>
-      <a:lnRef idx="0">
+      <a:lnRef idx="2">
         <a:scrgbClr r="0" g="0" b="0"/>
       </a:lnRef>
-      <a:fillRef idx="3">
+      <a:fillRef idx="1">
         <a:scrgbClr r="0" g="0" b="0"/>
       </a:fillRef>
-      <a:effectRef idx="3">
+      <a:effectRef idx="0">
         <a:scrgbClr r="0" g="0" b="0"/>
       </a:effectRef>
       <a:fontRef idx="minor">
@@ -8023,13 +7583,13 @@
     <dgm:sp3d/>
     <dgm:txPr/>
     <dgm:style>
-      <a:lnRef idx="0">
+      <a:lnRef idx="2">
         <a:scrgbClr r="0" g="0" b="0"/>
       </a:lnRef>
-      <a:fillRef idx="3">
+      <a:fillRef idx="1">
         <a:scrgbClr r="0" g="0" b="0"/>
       </a:fillRef>
-      <a:effectRef idx="3">
+      <a:effectRef idx="0">
         <a:scrgbClr r="0" g="0" b="0"/>
       </a:effectRef>
       <a:fontRef idx="minor">
@@ -8045,13 +7605,13 @@
     <dgm:sp3d/>
     <dgm:txPr/>
     <dgm:style>
-      <a:lnRef idx="0">
+      <a:lnRef idx="2">
         <a:scrgbClr r="0" g="0" b="0"/>
       </a:lnRef>
-      <a:fillRef idx="3">
+      <a:fillRef idx="1">
         <a:scrgbClr r="0" g="0" b="0"/>
       </a:fillRef>
-      <a:effectRef idx="3">
+      <a:effectRef idx="0">
         <a:scrgbClr r="0" g="0" b="0"/>
       </a:effectRef>
       <a:fontRef idx="minor">
@@ -8067,13 +7627,13 @@
     <dgm:sp3d/>
     <dgm:txPr/>
     <dgm:style>
-      <a:lnRef idx="0">
+      <a:lnRef idx="2">
         <a:scrgbClr r="0" g="0" b="0"/>
       </a:lnRef>
       <a:fillRef idx="1">
         <a:scrgbClr r="0" g="0" b="0"/>
       </a:fillRef>
-      <a:effectRef idx="3">
+      <a:effectRef idx="0">
         <a:scrgbClr r="0" g="0" b="0"/>
       </a:effectRef>
       <a:fontRef idx="minor"/>
@@ -8087,13 +7647,13 @@
     <dgm:sp3d/>
     <dgm:txPr/>
     <dgm:style>
-      <a:lnRef idx="0">
+      <a:lnRef idx="2">
         <a:scrgbClr r="0" g="0" b="0"/>
       </a:lnRef>
       <a:fillRef idx="1">
         <a:scrgbClr r="0" g="0" b="0"/>
       </a:fillRef>
-      <a:effectRef idx="3">
+      <a:effectRef idx="0">
         <a:scrgbClr r="0" g="0" b="0"/>
       </a:effectRef>
       <a:fontRef idx="minor"/>
@@ -8107,13 +7667,13 @@
     <dgm:sp3d/>
     <dgm:txPr/>
     <dgm:style>
-      <a:lnRef idx="0">
+      <a:lnRef idx="2">
         <a:scrgbClr r="0" g="0" b="0"/>
       </a:lnRef>
       <a:fillRef idx="1">
         <a:scrgbClr r="0" g="0" b="0"/>
       </a:fillRef>
-      <a:effectRef idx="3">
+      <a:effectRef idx="0">
         <a:scrgbClr r="0" g="0" b="0"/>
       </a:effectRef>
       <a:fontRef idx="minor"/>
@@ -8130,10 +7690,10 @@
       <a:lnRef idx="0">
         <a:scrgbClr r="0" g="0" b="0"/>
       </a:lnRef>
-      <a:fillRef idx="3">
+      <a:fillRef idx="1">
         <a:scrgbClr r="0" g="0" b="0"/>
       </a:fillRef>
-      <a:effectRef idx="3">
+      <a:effectRef idx="0">
         <a:scrgbClr r="0" g="0" b="0"/>
       </a:effectRef>
       <a:fontRef idx="minor">
@@ -8152,10 +7712,10 @@
       <a:lnRef idx="0">
         <a:scrgbClr r="0" g="0" b="0"/>
       </a:lnRef>
-      <a:fillRef idx="3">
+      <a:fillRef idx="1">
         <a:scrgbClr r="0" g="0" b="0"/>
       </a:fillRef>
-      <a:effectRef idx="3">
+      <a:effectRef idx="0">
         <a:scrgbClr r="0" g="0" b="0"/>
       </a:effectRef>
       <a:fontRef idx="minor">
@@ -8174,10 +7734,10 @@
       <a:lnRef idx="0">
         <a:scrgbClr r="0" g="0" b="0"/>
       </a:lnRef>
-      <a:fillRef idx="3">
+      <a:fillRef idx="1">
         <a:scrgbClr r="0" g="0" b="0"/>
       </a:fillRef>
-      <a:effectRef idx="3">
+      <a:effectRef idx="0">
         <a:scrgbClr r="0" g="0" b="0"/>
       </a:effectRef>
       <a:fontRef idx="minor">
@@ -8213,13 +7773,13 @@
     <dgm:sp3d/>
     <dgm:txPr/>
     <dgm:style>
-      <a:lnRef idx="1">
+      <a:lnRef idx="2">
         <a:scrgbClr r="0" g="0" b="0"/>
       </a:lnRef>
-      <a:fillRef idx="0">
+      <a:fillRef idx="1">
         <a:scrgbClr r="0" g="0" b="0"/>
       </a:fillRef>
-      <a:effectRef idx="1">
+      <a:effectRef idx="0">
         <a:scrgbClr r="0" g="0" b="0"/>
       </a:effectRef>
       <a:fontRef idx="minor"/>
@@ -8233,13 +7793,13 @@
     <dgm:sp3d/>
     <dgm:txPr/>
     <dgm:style>
-      <a:lnRef idx="0">
+      <a:lnRef idx="2">
         <a:scrgbClr r="0" g="0" b="0"/>
       </a:lnRef>
-      <a:fillRef idx="3">
+      <a:fillRef idx="1">
         <a:scrgbClr r="0" g="0" b="0"/>
       </a:fillRef>
-      <a:effectRef idx="3">
+      <a:effectRef idx="0">
         <a:scrgbClr r="0" g="0" b="0"/>
       </a:effectRef>
       <a:fontRef idx="minor">
@@ -8255,13 +7815,13 @@
     <dgm:sp3d/>
     <dgm:txPr/>
     <dgm:style>
-      <a:lnRef idx="0">
+      <a:lnRef idx="2">
         <a:scrgbClr r="0" g="0" b="0"/>
       </a:lnRef>
-      <a:fillRef idx="3">
+      <a:fillRef idx="1">
         <a:scrgbClr r="0" g="0" b="0"/>
       </a:fillRef>
-      <a:effectRef idx="3">
+      <a:effectRef idx="0">
         <a:scrgbClr r="0" g="0" b="0"/>
       </a:effectRef>
       <a:fontRef idx="minor">
@@ -8277,13 +7837,13 @@
     <dgm:sp3d/>
     <dgm:txPr/>
     <dgm:style>
-      <a:lnRef idx="0">
+      <a:lnRef idx="2">
         <a:scrgbClr r="0" g="0" b="0"/>
       </a:lnRef>
-      <a:fillRef idx="3">
+      <a:fillRef idx="1">
         <a:scrgbClr r="0" g="0" b="0"/>
       </a:fillRef>
-      <a:effectRef idx="3">
+      <a:effectRef idx="0">
         <a:scrgbClr r="0" g="0" b="0"/>
       </a:effectRef>
       <a:fontRef idx="minor">
@@ -8299,13 +7859,13 @@
     <dgm:sp3d/>
     <dgm:txPr/>
     <dgm:style>
-      <a:lnRef idx="0">
+      <a:lnRef idx="2">
         <a:scrgbClr r="0" g="0" b="0"/>
       </a:lnRef>
-      <a:fillRef idx="3">
+      <a:fillRef idx="1">
         <a:scrgbClr r="0" g="0" b="0"/>
       </a:fillRef>
-      <a:effectRef idx="3">
+      <a:effectRef idx="0">
         <a:scrgbClr r="0" g="0" b="0"/>
       </a:effectRef>
       <a:fontRef idx="minor">
@@ -8321,13 +7881,13 @@
     <dgm:sp3d/>
     <dgm:txPr/>
     <dgm:style>
-      <a:lnRef idx="0">
+      <a:lnRef idx="2">
         <a:scrgbClr r="0" g="0" b="0"/>
       </a:lnRef>
-      <a:fillRef idx="3">
+      <a:fillRef idx="1">
         <a:scrgbClr r="0" g="0" b="0"/>
       </a:fillRef>
-      <a:effectRef idx="3">
+      <a:effectRef idx="0">
         <a:scrgbClr r="0" g="0" b="0"/>
       </a:effectRef>
       <a:fontRef idx="minor">
@@ -8343,13 +7903,13 @@
     <dgm:sp3d/>
     <dgm:txPr/>
     <dgm:style>
-      <a:lnRef idx="0">
+      <a:lnRef idx="2">
         <a:scrgbClr r="0" g="0" b="0"/>
       </a:lnRef>
-      <a:fillRef idx="3">
+      <a:fillRef idx="1">
         <a:scrgbClr r="0" g="0" b="0"/>
       </a:fillRef>
-      <a:effectRef idx="3">
+      <a:effectRef idx="0">
         <a:scrgbClr r="0" g="0" b="0"/>
       </a:effectRef>
       <a:fontRef idx="minor">
@@ -8365,13 +7925,13 @@
     <dgm:sp3d/>
     <dgm:txPr/>
     <dgm:style>
-      <a:lnRef idx="0">
+      <a:lnRef idx="2">
         <a:scrgbClr r="0" g="0" b="0"/>
       </a:lnRef>
-      <a:fillRef idx="3">
+      <a:fillRef idx="1">
         <a:scrgbClr r="0" g="0" b="0"/>
       </a:fillRef>
-      <a:effectRef idx="3">
+      <a:effectRef idx="0">
         <a:scrgbClr r="0" g="0" b="0"/>
       </a:effectRef>
       <a:fontRef idx="minor">
@@ -8387,13 +7947,13 @@
     <dgm:sp3d/>
     <dgm:txPr/>
     <dgm:style>
-      <a:lnRef idx="0">
+      <a:lnRef idx="2">
         <a:scrgbClr r="0" g="0" b="0"/>
       </a:lnRef>
-      <a:fillRef idx="3">
+      <a:fillRef idx="1">
         <a:scrgbClr r="0" g="0" b="0"/>
       </a:fillRef>
-      <a:effectRef idx="3">
+      <a:effectRef idx="0">
         <a:scrgbClr r="0" g="0" b="0"/>
       </a:effectRef>
       <a:fontRef idx="minor">
@@ -8409,13 +7969,13 @@
     <dgm:sp3d/>
     <dgm:txPr/>
     <dgm:style>
-      <a:lnRef idx="0">
+      <a:lnRef idx="2">
         <a:scrgbClr r="0" g="0" b="0"/>
       </a:lnRef>
-      <a:fillRef idx="3">
+      <a:fillRef idx="1">
         <a:scrgbClr r="0" g="0" b="0"/>
       </a:fillRef>
-      <a:effectRef idx="3">
+      <a:effectRef idx="0">
         <a:scrgbClr r="0" g="0" b="0"/>
       </a:effectRef>
       <a:fontRef idx="minor">
@@ -8511,13 +8071,13 @@
     <dgm:sp3d/>
     <dgm:txPr/>
     <dgm:style>
-      <a:lnRef idx="1">
+      <a:lnRef idx="2">
         <a:scrgbClr r="0" g="0" b="0"/>
       </a:lnRef>
       <a:fillRef idx="1">
         <a:scrgbClr r="0" g="0" b="0"/>
       </a:fillRef>
-      <a:effectRef idx="2">
+      <a:effectRef idx="0">
         <a:scrgbClr r="0" g="0" b="0"/>
       </a:effectRef>
       <a:fontRef idx="minor"/>
@@ -8531,13 +8091,13 @@
     <dgm:sp3d/>
     <dgm:txPr/>
     <dgm:style>
-      <a:lnRef idx="1">
+      <a:lnRef idx="2">
         <a:scrgbClr r="0" g="0" b="0"/>
       </a:lnRef>
       <a:fillRef idx="1">
         <a:scrgbClr r="0" g="0" b="0"/>
       </a:fillRef>
-      <a:effectRef idx="2">
+      <a:effectRef idx="0">
         <a:scrgbClr r="0" g="0" b="0"/>
       </a:effectRef>
       <a:fontRef idx="minor"/>
@@ -8551,13 +8111,13 @@
     <dgm:sp3d/>
     <dgm:txPr/>
     <dgm:style>
-      <a:lnRef idx="1">
+      <a:lnRef idx="2">
         <a:scrgbClr r="0" g="0" b="0"/>
       </a:lnRef>
       <a:fillRef idx="1">
         <a:scrgbClr r="0" g="0" b="0"/>
       </a:fillRef>
-      <a:effectRef idx="2">
+      <a:effectRef idx="0">
         <a:scrgbClr r="0" g="0" b="0"/>
       </a:effectRef>
       <a:fontRef idx="minor"/>
@@ -8591,13 +8151,13 @@
     <dgm:sp3d/>
     <dgm:txPr/>
     <dgm:style>
-      <a:lnRef idx="1">
+      <a:lnRef idx="2">
         <a:scrgbClr r="0" g="0" b="0"/>
       </a:lnRef>
       <a:fillRef idx="1">
         <a:scrgbClr r="0" g="0" b="0"/>
       </a:fillRef>
-      <a:effectRef idx="2">
+      <a:effectRef idx="0">
         <a:scrgbClr r="0" g="0" b="0"/>
       </a:effectRef>
       <a:fontRef idx="minor"/>
@@ -8611,13 +8171,13 @@
     <dgm:sp3d/>
     <dgm:txPr/>
     <dgm:style>
-      <a:lnRef idx="1">
+      <a:lnRef idx="2">
         <a:scrgbClr r="0" g="0" b="0"/>
       </a:lnRef>
       <a:fillRef idx="1">
         <a:scrgbClr r="0" g="0" b="0"/>
       </a:fillRef>
-      <a:effectRef idx="2">
+      <a:effectRef idx="0">
         <a:scrgbClr r="0" g="0" b="0"/>
       </a:effectRef>
       <a:fontRef idx="minor"/>
@@ -8631,13 +8191,13 @@
     <dgm:sp3d/>
     <dgm:txPr/>
     <dgm:style>
-      <a:lnRef idx="1">
+      <a:lnRef idx="2">
         <a:scrgbClr r="0" g="0" b="0"/>
       </a:lnRef>
       <a:fillRef idx="1">
         <a:scrgbClr r="0" g="0" b="0"/>
       </a:fillRef>
-      <a:effectRef idx="3">
+      <a:effectRef idx="0">
         <a:scrgbClr r="0" g="0" b="0"/>
       </a:effectRef>
       <a:fontRef idx="minor"/>
@@ -8651,13 +8211,13 @@
     <dgm:sp3d/>
     <dgm:txPr/>
     <dgm:style>
-      <a:lnRef idx="1">
+      <a:lnRef idx="2">
         <a:scrgbClr r="0" g="0" b="0"/>
       </a:lnRef>
       <a:fillRef idx="1">
         <a:scrgbClr r="0" g="0" b="0"/>
       </a:fillRef>
-      <a:effectRef idx="3">
+      <a:effectRef idx="0">
         <a:scrgbClr r="0" g="0" b="0"/>
       </a:effectRef>
       <a:fontRef idx="minor"/>
@@ -8671,13 +8231,13 @@
     <dgm:sp3d/>
     <dgm:txPr/>
     <dgm:style>
-      <a:lnRef idx="1">
+      <a:lnRef idx="2">
         <a:scrgbClr r="0" g="0" b="0"/>
       </a:lnRef>
       <a:fillRef idx="1">
         <a:scrgbClr r="0" g="0" b="0"/>
       </a:fillRef>
-      <a:effectRef idx="2">
+      <a:effectRef idx="0">
         <a:scrgbClr r="0" g="0" b="0"/>
       </a:effectRef>
       <a:fontRef idx="minor"/>
@@ -8691,13 +8251,13 @@
     <dgm:sp3d/>
     <dgm:txPr/>
     <dgm:style>
-      <a:lnRef idx="1">
+      <a:lnRef idx="2">
         <a:scrgbClr r="0" g="0" b="0"/>
       </a:lnRef>
       <a:fillRef idx="1">
         <a:scrgbClr r="0" g="0" b="0"/>
       </a:fillRef>
-      <a:effectRef idx="2">
+      <a:effectRef idx="0">
         <a:scrgbClr r="0" g="0" b="0"/>
       </a:effectRef>
       <a:fontRef idx="minor"/>
@@ -8711,13 +8271,13 @@
     <dgm:sp3d/>
     <dgm:txPr/>
     <dgm:style>
-      <a:lnRef idx="1">
+      <a:lnRef idx="2">
         <a:scrgbClr r="0" g="0" b="0"/>
       </a:lnRef>
       <a:fillRef idx="1">
         <a:scrgbClr r="0" g="0" b="0"/>
       </a:fillRef>
-      <a:effectRef idx="2">
+      <a:effectRef idx="0">
         <a:scrgbClr r="0" g="0" b="0"/>
       </a:effectRef>
       <a:fontRef idx="minor"/>
@@ -8731,13 +8291,13 @@
     <dgm:sp3d/>
     <dgm:txPr/>
     <dgm:style>
-      <a:lnRef idx="1">
+      <a:lnRef idx="2">
         <a:scrgbClr r="0" g="0" b="0"/>
       </a:lnRef>
       <a:fillRef idx="1">
         <a:scrgbClr r="0" g="0" b="0"/>
       </a:fillRef>
-      <a:effectRef idx="2">
+      <a:effectRef idx="0">
         <a:scrgbClr r="0" g="0" b="0"/>
       </a:effectRef>
       <a:fontRef idx="minor"/>
@@ -8751,13 +8311,13 @@
     <dgm:sp3d/>
     <dgm:txPr/>
     <dgm:style>
-      <a:lnRef idx="1">
+      <a:lnRef idx="2">
         <a:scrgbClr r="0" g="0" b="0"/>
       </a:lnRef>
       <a:fillRef idx="1">
         <a:scrgbClr r="0" g="0" b="0"/>
       </a:fillRef>
-      <a:effectRef idx="2">
+      <a:effectRef idx="0">
         <a:scrgbClr r="0" g="0" b="0"/>
       </a:effectRef>
       <a:fontRef idx="minor"/>
@@ -8771,13 +8331,13 @@
     <dgm:sp3d/>
     <dgm:txPr/>
     <dgm:style>
-      <a:lnRef idx="1">
+      <a:lnRef idx="2">
         <a:scrgbClr r="0" g="0" b="0"/>
       </a:lnRef>
       <a:fillRef idx="1">
         <a:scrgbClr r="0" g="0" b="0"/>
       </a:fillRef>
-      <a:effectRef idx="2">
+      <a:effectRef idx="0">
         <a:scrgbClr r="0" g="0" b="0"/>
       </a:effectRef>
       <a:fontRef idx="minor"/>
@@ -8791,13 +8351,13 @@
     <dgm:sp3d/>
     <dgm:txPr/>
     <dgm:style>
-      <a:lnRef idx="1">
+      <a:lnRef idx="2">
         <a:scrgbClr r="0" g="0" b="0"/>
       </a:lnRef>
       <a:fillRef idx="1">
         <a:scrgbClr r="0" g="0" b="0"/>
       </a:fillRef>
-      <a:effectRef idx="2">
+      <a:effectRef idx="0">
         <a:scrgbClr r="0" g="0" b="0"/>
       </a:effectRef>
       <a:fontRef idx="minor"/>
@@ -8817,7 +8377,7 @@
       <a:fillRef idx="1">
         <a:scrgbClr r="0" g="0" b="0"/>
       </a:fillRef>
-      <a:effectRef idx="2">
+      <a:effectRef idx="0">
         <a:scrgbClr r="0" g="0" b="0"/>
       </a:effectRef>
       <a:fontRef idx="minor"/>
@@ -8837,7 +8397,7 @@
       <a:fillRef idx="1">
         <a:scrgbClr r="0" g="0" b="0"/>
       </a:fillRef>
-      <a:effectRef idx="3">
+      <a:effectRef idx="0">
         <a:scrgbClr r="0" g="0" b="0"/>
       </a:effectRef>
       <a:fontRef idx="minor"/>
@@ -8871,13 +8431,13 @@
     <dgm:sp3d/>
     <dgm:txPr/>
     <dgm:style>
-      <a:lnRef idx="0">
+      <a:lnRef idx="2">
         <a:scrgbClr r="0" g="0" b="0"/>
       </a:lnRef>
-      <a:fillRef idx="3">
+      <a:fillRef idx="1">
         <a:scrgbClr r="0" g="0" b="0"/>
       </a:fillRef>
-      <a:effectRef idx="3">
+      <a:effectRef idx="0">
         <a:scrgbClr r="0" g="0" b="0"/>
       </a:effectRef>
       <a:fontRef idx="minor"/>
@@ -21365,7 +20925,7 @@
       </p:grpSpPr>
       <p:sp useBgFill="1">
         <p:nvSpPr>
-          <p:cNvPr id="21" name="Background Fill">
+          <p:cNvPr id="71" name="Background Fill">
             <a:extLst>
               <a:ext uri="{FF2B5EF4-FFF2-40B4-BE49-F238E27FC236}">
                 <a16:creationId xmlns:a16="http://schemas.microsoft.com/office/drawing/2014/main" id="{A7971386-B2B0-4A38-8D3B-8CF23AAA610C}"/>
@@ -21414,7 +20974,7 @@
       </p:sp>
       <p:sp>
         <p:nvSpPr>
-          <p:cNvPr id="23" name="Color Fill">
+          <p:cNvPr id="73" name="Color Fill">
             <a:extLst>
               <a:ext uri="{FF2B5EF4-FFF2-40B4-BE49-F238E27FC236}">
                 <a16:creationId xmlns:a16="http://schemas.microsoft.com/office/drawing/2014/main" id="{8BECD55C-E611-4BCD-B45E-BF01D6234816}"/>
@@ -21473,7 +21033,7 @@
       </p:sp>
       <p:sp>
         <p:nvSpPr>
-          <p:cNvPr id="25" name="Graphic 9">
+          <p:cNvPr id="75" name="Graphic 9">
             <a:extLst>
               <a:ext uri="{FF2B5EF4-FFF2-40B4-BE49-F238E27FC236}">
                 <a16:creationId xmlns:a16="http://schemas.microsoft.com/office/drawing/2014/main" id="{1B8F0E52-7B96-44E2-BC48-F2D2BAC4611F}"/>
@@ -21594,7 +21154,7 @@
       </p:sp>
       <p:sp>
         <p:nvSpPr>
-          <p:cNvPr id="27" name="Texture">
+          <p:cNvPr id="77" name="Texture">
             <a:extLst>
               <a:ext uri="{FF2B5EF4-FFF2-40B4-BE49-F238E27FC236}">
                 <a16:creationId xmlns:a16="http://schemas.microsoft.com/office/drawing/2014/main" id="{0D29D77D-2D4E-4868-960B-BEDA724F5CE2}"/>
@@ -21716,38 +21276,55 @@
           <a:p>
             <a:r>
               <a:rPr lang="en-IN"/>
-              <a:t>Submitted by- Rahul Sisodia</a:t>
+              <a:t>Created by- Rahul Sisodia</a:t>
             </a:r>
           </a:p>
         </p:txBody>
       </p:sp>
       <p:pic>
         <p:nvPicPr>
-          <p:cNvPr id="16" name="Picture 3" descr="School desk with books and pencils with chalkboard in background">
+          <p:cNvPr id="1026" name="Picture 2" descr="Click Here Labels Royalty Free Cliparts, Vectors, And Stock Illustration.  Image 13984439.">
             <a:extLst>
               <a:ext uri="{FF2B5EF4-FFF2-40B4-BE49-F238E27FC236}">
-                <a16:creationId xmlns:a16="http://schemas.microsoft.com/office/drawing/2014/main" id="{851C4365-12E5-4ECA-99E8-30689CD34709}"/>
+                <a16:creationId xmlns:a16="http://schemas.microsoft.com/office/drawing/2014/main" id="{C2F8F284-2792-4C33-9246-CB0F0F716E8A}"/>
               </a:ext>
             </a:extLst>
           </p:cNvPr>
           <p:cNvPicPr>
-            <a:picLocks noChangeAspect="1"/>
+            <a:picLocks noChangeAspect="1" noChangeArrowheads="1"/>
           </p:cNvPicPr>
           <p:nvPr/>
         </p:nvPicPr>
-        <p:blipFill rotWithShape="1">
-          <a:blip r:embed="rId3"/>
-          <a:srcRect l="9925" r="9923" b="-1"/>
-          <a:stretch/>
+        <p:blipFill>
+          <a:blip r:embed="rId3">
+            <a:extLst>
+              <a:ext uri="{28A0092B-C50C-407E-A947-70E740481C1C}">
+                <a14:useLocalDpi xmlns:a14="http://schemas.microsoft.com/office/drawing/2010/main" val="0"/>
+              </a:ext>
+            </a:extLst>
+          </a:blip>
+          <a:stretch>
+            <a:fillRect/>
+          </a:stretch>
         </p:blipFill>
-        <p:spPr>
+        <p:spPr bwMode="auto">
           <a:xfrm>
-            <a:off x="6602448" y="1656597"/>
-            <a:ext cx="4610529" cy="3839652"/>
+            <a:off x="6602448" y="2337344"/>
+            <a:ext cx="4610529" cy="2478159"/>
           </a:xfrm>
           <a:prstGeom prst="rect">
             <a:avLst/>
           </a:prstGeom>
+          <a:noFill/>
+          <a:extLst>
+            <a:ext uri="{909E8E84-426E-40DD-AFC4-6F175D3DCCD1}">
+              <a14:hiddenFill xmlns:a14="http://schemas.microsoft.com/office/drawing/2010/main">
+                <a:solidFill>
+                  <a:srgbClr val="FFFFFF"/>
+                </a:solidFill>
+              </a14:hiddenFill>
+            </a:ext>
+          </a:extLst>
         </p:spPr>
       </p:pic>
     </p:spTree>
@@ -22354,6 +21931,460 @@
 </file>
 
 <file path=ppt/slides/slide11.xml><?xml version="1.0" encoding="utf-8"?>
+<p:sld xmlns:a="http://schemas.openxmlformats.org/drawingml/2006/main" xmlns:r="http://schemas.openxmlformats.org/officeDocument/2006/relationships" xmlns:p="http://schemas.openxmlformats.org/presentationml/2006/main">
+  <p:cSld>
+    <p:bg>
+      <p:bgPr>
+        <a:solidFill>
+          <a:schemeClr val="bg2"/>
+        </a:solidFill>
+        <a:effectLst/>
+      </p:bgPr>
+    </p:bg>
+    <p:spTree>
+      <p:nvGrpSpPr>
+        <p:cNvPr id="1" name=""/>
+        <p:cNvGrpSpPr/>
+        <p:nvPr/>
+      </p:nvGrpSpPr>
+      <p:grpSpPr>
+        <a:xfrm>
+          <a:off x="0" y="0"/>
+          <a:ext cx="0" cy="0"/>
+          <a:chOff x="0" y="0"/>
+          <a:chExt cx="0" cy="0"/>
+        </a:xfrm>
+      </p:grpSpPr>
+      <p:sp useBgFill="1">
+        <p:nvSpPr>
+          <p:cNvPr id="21" name="Background Fill">
+            <a:extLst>
+              <a:ext uri="{FF2B5EF4-FFF2-40B4-BE49-F238E27FC236}">
+                <a16:creationId xmlns:a16="http://schemas.microsoft.com/office/drawing/2014/main" id="{FAFB3478-4AEC-431E-93B2-1593839C16DA}"/>
+              </a:ext>
+              <a:ext uri="{C183D7F6-B498-43B3-948B-1728B52AA6E4}">
+                <adec:decorative xmlns:adec="http://schemas.microsoft.com/office/drawing/2017/decorative" val="1"/>
+              </a:ext>
+            </a:extLst>
+          </p:cNvPr>
+          <p:cNvSpPr>
+            <a:spLocks noGrp="1" noRot="1" noChangeAspect="1" noMove="1" noResize="1" noEditPoints="1" noAdjustHandles="1" noChangeArrowheads="1" noChangeShapeType="1" noTextEdit="1"/>
+          </p:cNvSpPr>
+          <p:nvPr>
+            <p:extLst>
+              <p:ext uri="{386F3935-93C4-4BCD-93E2-E3B085C9AB24}">
+                <p16:designElem xmlns:p16="http://schemas.microsoft.com/office/powerpoint/2015/main" val="1"/>
+              </p:ext>
+            </p:extLst>
+          </p:nvPr>
+        </p:nvSpPr>
+        <p:spPr>
+          <a:xfrm>
+            <a:off x="0" y="0"/>
+            <a:ext cx="12192000" cy="6858000"/>
+          </a:xfrm>
+          <a:prstGeom prst="rect">
+            <a:avLst/>
+          </a:prstGeom>
+          <a:ln w="9525" cap="flat">
+            <a:noFill/>
+            <a:prstDash val="solid"/>
+            <a:miter/>
+          </a:ln>
+        </p:spPr>
+        <p:txBody>
+          <a:bodyPr rtlCol="0" anchor="ctr"/>
+          <a:lstStyle/>
+          <a:p>
+            <a:endParaRPr lang="en-US">
+              <a:solidFill>
+                <a:schemeClr val="tx1"/>
+              </a:solidFill>
+            </a:endParaRPr>
+          </a:p>
+        </p:txBody>
+      </p:sp>
+      <p:sp>
+        <p:nvSpPr>
+          <p:cNvPr id="23" name="Color Fill">
+            <a:extLst>
+              <a:ext uri="{FF2B5EF4-FFF2-40B4-BE49-F238E27FC236}">
+                <a16:creationId xmlns:a16="http://schemas.microsoft.com/office/drawing/2014/main" id="{A8A68745-355E-4D81-AA5F-942C71082A1E}"/>
+              </a:ext>
+              <a:ext uri="{C183D7F6-B498-43B3-948B-1728B52AA6E4}">
+                <adec:decorative xmlns:adec="http://schemas.microsoft.com/office/drawing/2017/decorative" val="1"/>
+              </a:ext>
+            </a:extLst>
+          </p:cNvPr>
+          <p:cNvSpPr>
+            <a:spLocks noGrp="1" noRot="1" noChangeAspect="1" noMove="1" noResize="1" noEditPoints="1" noAdjustHandles="1" noChangeArrowheads="1" noChangeShapeType="1" noTextEdit="1"/>
+          </p:cNvSpPr>
+          <p:nvPr>
+            <p:extLst>
+              <p:ext uri="{386F3935-93C4-4BCD-93E2-E3B085C9AB24}">
+                <p16:designElem xmlns:p16="http://schemas.microsoft.com/office/powerpoint/2015/main" val="1"/>
+              </p:ext>
+            </p:extLst>
+          </p:nvPr>
+        </p:nvSpPr>
+        <p:spPr>
+          <a:xfrm>
+            <a:off x="0" y="0"/>
+            <a:ext cx="12188952" cy="6858000"/>
+          </a:xfrm>
+          <a:prstGeom prst="rect">
+            <a:avLst/>
+          </a:prstGeom>
+          <a:solidFill>
+            <a:schemeClr val="bg2">
+              <a:lumMod val="75000"/>
+              <a:lumOff val="25000"/>
+              <a:alpha val="40000"/>
+            </a:schemeClr>
+          </a:solidFill>
+          <a:ln w="9525" cap="flat">
+            <a:noFill/>
+            <a:prstDash val="solid"/>
+            <a:miter/>
+          </a:ln>
+        </p:spPr>
+        <p:txBody>
+          <a:bodyPr rtlCol="0" anchor="ctr"/>
+          <a:lstStyle/>
+          <a:p>
+            <a:endParaRPr lang="en-US" dirty="0">
+              <a:solidFill>
+                <a:schemeClr val="bg2">
+                  <a:lumMod val="75000"/>
+                  <a:lumOff val="25000"/>
+                </a:schemeClr>
+              </a:solidFill>
+            </a:endParaRPr>
+          </a:p>
+        </p:txBody>
+      </p:sp>
+      <p:sp>
+        <p:nvSpPr>
+          <p:cNvPr id="25" name="Graphic 9">
+            <a:extLst>
+              <a:ext uri="{FF2B5EF4-FFF2-40B4-BE49-F238E27FC236}">
+                <a16:creationId xmlns:a16="http://schemas.microsoft.com/office/drawing/2014/main" id="{61D32E23-CD34-4C85-8167-14669FD3E0CA}"/>
+              </a:ext>
+              <a:ext uri="{C183D7F6-B498-43B3-948B-1728B52AA6E4}">
+                <adec:decorative xmlns:adec="http://schemas.microsoft.com/office/drawing/2017/decorative" val="1"/>
+              </a:ext>
+            </a:extLst>
+          </p:cNvPr>
+          <p:cNvSpPr>
+            <a:spLocks noGrp="1" noRot="1" noChangeAspect="1" noMove="1" noResize="1" noEditPoints="1" noAdjustHandles="1" noChangeArrowheads="1" noChangeShapeType="1" noTextEdit="1"/>
+          </p:cNvSpPr>
+          <p:nvPr>
+            <p:extLst>
+              <p:ext uri="{386F3935-93C4-4BCD-93E2-E3B085C9AB24}">
+                <p16:designElem xmlns:p16="http://schemas.microsoft.com/office/powerpoint/2015/main" val="1"/>
+              </p:ext>
+            </p:extLst>
+          </p:nvPr>
+        </p:nvSpPr>
+        <p:spPr>
+          <a:xfrm>
+            <a:off x="5291818" y="16444"/>
+            <a:ext cx="6893328" cy="6846993"/>
+          </a:xfrm>
+          <a:custGeom>
+            <a:avLst/>
+            <a:gdLst>
+              <a:gd name="connsiteX0" fmla="*/ 6861546 w 6861545"/>
+              <a:gd name="connsiteY0" fmla="*/ 6861546 h 6861545"/>
+              <a:gd name="connsiteX1" fmla="*/ 3435812 w 6861545"/>
+              <a:gd name="connsiteY1" fmla="*/ 6861546 h 6861545"/>
+              <a:gd name="connsiteX2" fmla="*/ 0 w 6861545"/>
+              <a:gd name="connsiteY2" fmla="*/ 3425734 h 6861545"/>
+              <a:gd name="connsiteX3" fmla="*/ 0 w 6861545"/>
+              <a:gd name="connsiteY3" fmla="*/ 0 h 6861545"/>
+              <a:gd name="connsiteX4" fmla="*/ 3425734 w 6861545"/>
+              <a:gd name="connsiteY4" fmla="*/ 0 h 6861545"/>
+              <a:gd name="connsiteX5" fmla="*/ 6861546 w 6861545"/>
+              <a:gd name="connsiteY5" fmla="*/ 3435812 h 6861545"/>
+              <a:gd name="connsiteX6" fmla="*/ 6861546 w 6861545"/>
+              <a:gd name="connsiteY6" fmla="*/ 6861546 h 6861545"/>
+            </a:gdLst>
+            <a:ahLst/>
+            <a:cxnLst>
+              <a:cxn ang="0">
+                <a:pos x="connsiteX0" y="connsiteY0"/>
+              </a:cxn>
+              <a:cxn ang="0">
+                <a:pos x="connsiteX1" y="connsiteY1"/>
+              </a:cxn>
+              <a:cxn ang="0">
+                <a:pos x="connsiteX2" y="connsiteY2"/>
+              </a:cxn>
+              <a:cxn ang="0">
+                <a:pos x="connsiteX3" y="connsiteY3"/>
+              </a:cxn>
+              <a:cxn ang="0">
+                <a:pos x="connsiteX4" y="connsiteY4"/>
+              </a:cxn>
+              <a:cxn ang="0">
+                <a:pos x="connsiteX5" y="connsiteY5"/>
+              </a:cxn>
+              <a:cxn ang="0">
+                <a:pos x="connsiteX6" y="connsiteY6"/>
+              </a:cxn>
+            </a:cxnLst>
+            <a:rect l="l" t="t" r="r" b="b"/>
+            <a:pathLst>
+              <a:path w="6861545" h="6861545">
+                <a:moveTo>
+                  <a:pt x="6861546" y="6861546"/>
+                </a:moveTo>
+                <a:lnTo>
+                  <a:pt x="3435812" y="6861546"/>
+                </a:lnTo>
+                <a:cubicBezTo>
+                  <a:pt x="1538245" y="6861546"/>
+                  <a:pt x="0" y="5323301"/>
+                  <a:pt x="0" y="3425734"/>
+                </a:cubicBezTo>
+                <a:lnTo>
+                  <a:pt x="0" y="0"/>
+                </a:lnTo>
+                <a:lnTo>
+                  <a:pt x="3425734" y="0"/>
+                </a:lnTo>
+                <a:cubicBezTo>
+                  <a:pt x="5323301" y="0"/>
+                  <a:pt x="6861546" y="1538245"/>
+                  <a:pt x="6861546" y="3435812"/>
+                </a:cubicBezTo>
+                <a:lnTo>
+                  <a:pt x="6861546" y="6861546"/>
+                </a:lnTo>
+                <a:close/>
+              </a:path>
+            </a:pathLst>
+          </a:custGeom>
+          <a:solidFill>
+            <a:srgbClr val="FFFFFF"/>
+          </a:solidFill>
+          <a:ln w="38100" cap="flat">
+            <a:solidFill>
+              <a:srgbClr val="F7F7F7"/>
+            </a:solidFill>
+            <a:prstDash val="solid"/>
+            <a:miter/>
+          </a:ln>
+        </p:spPr>
+        <p:txBody>
+          <a:bodyPr rtlCol="0" anchor="ctr"/>
+          <a:lstStyle/>
+          <a:p>
+            <a:endParaRPr lang="en-US" dirty="0"/>
+          </a:p>
+        </p:txBody>
+      </p:sp>
+      <p:sp>
+        <p:nvSpPr>
+          <p:cNvPr id="27" name="Texture">
+            <a:extLst>
+              <a:ext uri="{FF2B5EF4-FFF2-40B4-BE49-F238E27FC236}">
+                <a16:creationId xmlns:a16="http://schemas.microsoft.com/office/drawing/2014/main" id="{2E922E9E-A29B-4164-A634-B718A43369CA}"/>
+              </a:ext>
+              <a:ext uri="{C183D7F6-B498-43B3-948B-1728B52AA6E4}">
+                <adec:decorative xmlns:adec="http://schemas.microsoft.com/office/drawing/2017/decorative" val="1"/>
+              </a:ext>
+            </a:extLst>
+          </p:cNvPr>
+          <p:cNvSpPr>
+            <a:spLocks noGrp="1" noRot="1" noChangeAspect="1" noMove="1" noResize="1" noEditPoints="1" noAdjustHandles="1" noChangeArrowheads="1" noChangeShapeType="1" noTextEdit="1"/>
+          </p:cNvSpPr>
+          <p:nvPr>
+            <p:extLst>
+              <p:ext uri="{386F3935-93C4-4BCD-93E2-E3B085C9AB24}">
+                <p16:designElem xmlns:p16="http://schemas.microsoft.com/office/powerpoint/2015/main" val="1"/>
+              </p:ext>
+            </p:extLst>
+          </p:nvPr>
+        </p:nvSpPr>
+        <p:spPr>
+          <a:xfrm>
+            <a:off x="3048" y="0"/>
+            <a:ext cx="12188952" cy="6858000"/>
+          </a:xfrm>
+          <a:prstGeom prst="rect">
+            <a:avLst/>
+          </a:prstGeom>
+          <a:blipFill dpi="0" rotWithShape="1">
+            <a:blip r:embed="rId2">
+              <a:alphaModFix amt="6000"/>
+            </a:blip>
+            <a:srcRect/>
+            <a:tile tx="0" ty="0" sx="100000" sy="100000" flip="none" algn="tl"/>
+          </a:blipFill>
+          <a:ln w="9525" cap="flat">
+            <a:noFill/>
+            <a:prstDash val="solid"/>
+            <a:miter/>
+          </a:ln>
+        </p:spPr>
+        <p:txBody>
+          <a:bodyPr rtlCol="0" anchor="ctr"/>
+          <a:lstStyle/>
+          <a:p>
+            <a:endParaRPr lang="en-US" dirty="0"/>
+          </a:p>
+        </p:txBody>
+      </p:sp>
+      <p:sp>
+        <p:nvSpPr>
+          <p:cNvPr id="2" name="Title 1">
+            <a:extLst>
+              <a:ext uri="{FF2B5EF4-FFF2-40B4-BE49-F238E27FC236}">
+                <a16:creationId xmlns:a16="http://schemas.microsoft.com/office/drawing/2014/main" id="{4D3915BD-3FF7-49CB-BD3E-ABD968FD60B7}"/>
+              </a:ext>
+            </a:extLst>
+          </p:cNvPr>
+          <p:cNvSpPr>
+            <a:spLocks noGrp="1"/>
+          </p:cNvSpPr>
+          <p:nvPr>
+            <p:ph type="title"/>
+          </p:nvPr>
+        </p:nvSpPr>
+        <p:spPr>
+          <a:xfrm>
+            <a:off x="457200" y="758952"/>
+            <a:ext cx="4640729" cy="1325563"/>
+          </a:xfrm>
+        </p:spPr>
+        <p:txBody>
+          <a:bodyPr anchor="b">
+            <a:normAutofit/>
+          </a:bodyPr>
+          <a:lstStyle/>
+          <a:p>
+            <a:r>
+              <a:rPr lang="en-IN" sz="2800"/>
+              <a:t>Model Building</a:t>
+            </a:r>
+            <a:br>
+              <a:rPr lang="en-IN" sz="2800"/>
+            </a:br>
+            <a:r>
+              <a:rPr lang="en-IN" sz="2800"/>
+              <a:t>Logistic Regression</a:t>
+            </a:r>
+            <a:br>
+              <a:rPr lang="en-IN" sz="2800"/>
+            </a:br>
+            <a:endParaRPr lang="en-IN" sz="2800"/>
+          </a:p>
+        </p:txBody>
+      </p:sp>
+      <p:sp>
+        <p:nvSpPr>
+          <p:cNvPr id="3" name="Content Placeholder 2">
+            <a:extLst>
+              <a:ext uri="{FF2B5EF4-FFF2-40B4-BE49-F238E27FC236}">
+                <a16:creationId xmlns:a16="http://schemas.microsoft.com/office/drawing/2014/main" id="{1C8BDC93-BF7D-49A1-B209-61D9A30545F6}"/>
+              </a:ext>
+            </a:extLst>
+          </p:cNvPr>
+          <p:cNvSpPr>
+            <a:spLocks noGrp="1"/>
+          </p:cNvSpPr>
+          <p:nvPr>
+            <p:ph idx="1"/>
+          </p:nvPr>
+        </p:nvSpPr>
+        <p:spPr>
+          <a:xfrm>
+            <a:off x="457200" y="2286000"/>
+            <a:ext cx="4640729" cy="3887585"/>
+          </a:xfrm>
+        </p:spPr>
+        <p:txBody>
+          <a:bodyPr>
+            <a:normAutofit/>
+          </a:bodyPr>
+          <a:lstStyle/>
+          <a:p>
+            <a:r>
+              <a:rPr lang="en-IN" dirty="0"/>
+              <a:t>Maximum Likelihood Estimation Technique  Estimation of parameters in logistic regression is carried out using Maximum Likelihood Estimation (MLE) technique</a:t>
+            </a:r>
+          </a:p>
+          <a:p>
+            <a:r>
+              <a:rPr lang="en-US" dirty="0"/>
+              <a:t>The dataset is split into 70%(4660 obs.) training dataset and 30%(1997 obs.) test dataset. </a:t>
+            </a:r>
+          </a:p>
+          <a:p>
+            <a:r>
+              <a:rPr lang="en-US" dirty="0"/>
+              <a:t>Then we will be removing the insignificant variable based on high p-value from the training dataset one by one to build our training model.</a:t>
+            </a:r>
+            <a:endParaRPr lang="en-IN" dirty="0"/>
+          </a:p>
+          <a:p>
+            <a:endParaRPr lang="en-IN" dirty="0"/>
+          </a:p>
+          <a:p>
+            <a:endParaRPr lang="en-IN" dirty="0"/>
+          </a:p>
+        </p:txBody>
+      </p:sp>
+      <p:pic>
+        <p:nvPicPr>
+          <p:cNvPr id="5" name="Picture 4" descr="Graphical user interface, application&#10;&#10;Description automatically generated">
+            <a:extLst>
+              <a:ext uri="{FF2B5EF4-FFF2-40B4-BE49-F238E27FC236}">
+                <a16:creationId xmlns:a16="http://schemas.microsoft.com/office/drawing/2014/main" id="{AEA6097F-38A2-49FA-8D20-6667FB4BBDF6}"/>
+              </a:ext>
+            </a:extLst>
+          </p:cNvPr>
+          <p:cNvPicPr>
+            <a:picLocks noChangeAspect="1"/>
+          </p:cNvPicPr>
+          <p:nvPr/>
+        </p:nvPicPr>
+        <p:blipFill rotWithShape="1">
+          <a:blip r:embed="rId3">
+            <a:extLst>
+              <a:ext uri="{28A0092B-C50C-407E-A947-70E740481C1C}">
+                <a14:useLocalDpi xmlns:a14="http://schemas.microsoft.com/office/drawing/2010/main" val="0"/>
+              </a:ext>
+            </a:extLst>
+          </a:blip>
+          <a:srcRect l="-143" t="25619" r="52612" b="15076"/>
+          <a:stretch/>
+        </p:blipFill>
+        <p:spPr>
+          <a:xfrm>
+            <a:off x="6548008" y="1164092"/>
+            <a:ext cx="4622632" cy="4659872"/>
+          </a:xfrm>
+          <a:prstGeom prst="rect">
+            <a:avLst/>
+          </a:prstGeom>
+        </p:spPr>
+      </p:pic>
+    </p:spTree>
+    <p:extLst>
+      <p:ext uri="{BB962C8B-B14F-4D97-AF65-F5344CB8AC3E}">
+        <p14:creationId xmlns:p14="http://schemas.microsoft.com/office/powerpoint/2010/main" val="121096008"/>
+      </p:ext>
+    </p:extLst>
+  </p:cSld>
+  <p:clrMapOvr>
+    <a:masterClrMapping/>
+  </p:clrMapOvr>
+</p:sld>
+</file>
+
+<file path=ppt/slides/slide12.xml><?xml version="1.0" encoding="utf-8"?>
 <p:sld xmlns:a="http://schemas.openxmlformats.org/drawingml/2006/main" xmlns:r="http://schemas.openxmlformats.org/officeDocument/2006/relationships" xmlns:p="http://schemas.openxmlformats.org/presentationml/2006/main">
   <p:cSld>
     <p:bg>
@@ -22996,7 +23027,7 @@
 </p:sld>
 </file>
 
-<file path=ppt/slides/slide12.xml><?xml version="1.0" encoding="utf-8"?>
+<file path=ppt/slides/slide13.xml><?xml version="1.0" encoding="utf-8"?>
 <p:sld xmlns:a="http://schemas.openxmlformats.org/drawingml/2006/main" xmlns:r="http://schemas.openxmlformats.org/officeDocument/2006/relationships" xmlns:p="http://schemas.openxmlformats.org/presentationml/2006/main">
   <p:cSld>
     <p:bg>
@@ -23419,7 +23450,7 @@
 </p:sld>
 </file>
 
-<file path=ppt/slides/slide13.xml><?xml version="1.0" encoding="utf-8"?>
+<file path=ppt/slides/slide14.xml><?xml version="1.0" encoding="utf-8"?>
 <p:sld xmlns:a="http://schemas.openxmlformats.org/drawingml/2006/main" xmlns:r="http://schemas.openxmlformats.org/officeDocument/2006/relationships" xmlns:p="http://schemas.openxmlformats.org/presentationml/2006/main">
   <p:cSld>
     <p:bg>
@@ -23846,7 +23877,7 @@
 </p:sld>
 </file>
 
-<file path=ppt/slides/slide14.xml><?xml version="1.0" encoding="utf-8"?>
+<file path=ppt/slides/slide15.xml><?xml version="1.0" encoding="utf-8"?>
 <p:sld xmlns:a="http://schemas.openxmlformats.org/drawingml/2006/main" xmlns:r="http://schemas.openxmlformats.org/officeDocument/2006/relationships" xmlns:p="http://schemas.openxmlformats.org/presentationml/2006/main">
   <p:cSld>
     <p:bg>
@@ -24326,7 +24357,7 @@
 </p:sld>
 </file>
 
-<file path=ppt/slides/slide15.xml><?xml version="1.0" encoding="utf-8"?>
+<file path=ppt/slides/slide16.xml><?xml version="1.0" encoding="utf-8"?>
 <p:sld xmlns:a="http://schemas.openxmlformats.org/drawingml/2006/main" xmlns:r="http://schemas.openxmlformats.org/officeDocument/2006/relationships" xmlns:p="http://schemas.openxmlformats.org/presentationml/2006/main">
   <p:cSld>
     <p:bg>
@@ -24755,7 +24786,7 @@
       </p:grpSpPr>
       <p:sp useBgFill="1">
         <p:nvSpPr>
-          <p:cNvPr id="75" name="Background Fill">
+          <p:cNvPr id="1032" name="Background Fill">
             <a:extLst>
               <a:ext uri="{FF2B5EF4-FFF2-40B4-BE49-F238E27FC236}">
                 <a16:creationId xmlns:a16="http://schemas.microsoft.com/office/drawing/2014/main" id="{FAFB3478-4AEC-431E-93B2-1593839C16DA}"/>
@@ -24804,7 +24835,7 @@
       </p:sp>
       <p:sp>
         <p:nvSpPr>
-          <p:cNvPr id="77" name="Color Fill">
+          <p:cNvPr id="1033" name="Color Fill">
             <a:extLst>
               <a:ext uri="{FF2B5EF4-FFF2-40B4-BE49-F238E27FC236}">
                 <a16:creationId xmlns:a16="http://schemas.microsoft.com/office/drawing/2014/main" id="{A8A68745-355E-4D81-AA5F-942C71082A1E}"/>
@@ -24863,7 +24894,7 @@
       </p:sp>
       <p:sp>
         <p:nvSpPr>
-          <p:cNvPr id="79" name="Graphic 9">
+          <p:cNvPr id="1034" name="Graphic 9">
             <a:extLst>
               <a:ext uri="{FF2B5EF4-FFF2-40B4-BE49-F238E27FC236}">
                 <a16:creationId xmlns:a16="http://schemas.microsoft.com/office/drawing/2014/main" id="{61D32E23-CD34-4C85-8167-14669FD3E0CA}"/>
@@ -24984,7 +25015,7 @@
       </p:sp>
       <p:sp>
         <p:nvSpPr>
-          <p:cNvPr id="81" name="Texture">
+          <p:cNvPr id="1035" name="Texture">
             <a:extLst>
               <a:ext uri="{FF2B5EF4-FFF2-40B4-BE49-F238E27FC236}">
                 <a16:creationId xmlns:a16="http://schemas.microsoft.com/office/drawing/2014/main" id="{2E922E9E-A29B-4164-A634-B718A43369CA}"/>
@@ -25134,7 +25165,7 @@
             <p:ph idx="1"/>
             <p:extLst>
               <p:ext uri="{D42A27DB-BD31-4B8C-83A1-F6EECF244321}">
-                <p14:modId xmlns:p14="http://schemas.microsoft.com/office/powerpoint/2010/main" val="2891183346"/>
+                <p14:modId xmlns:p14="http://schemas.microsoft.com/office/powerpoint/2010/main" val="4127743415"/>
               </p:ext>
             </p:extLst>
           </p:nvPr>
@@ -26005,13 +26036,13 @@
           <a:p>
             <a:r>
               <a:rPr lang="en-US" dirty="0"/>
-              <a:t>No of user less in early morning as compared to other time  </a:t>
+              <a:t>Number of user less in early morning as compared to other time  </a:t>
             </a:r>
           </a:p>
           <a:p>
             <a:r>
               <a:rPr lang="en-US" dirty="0"/>
-              <a:t>No of unclicked is more than clicked in given dataset</a:t>
+              <a:t>Number of unclicked is more than clicked in given dataset</a:t>
             </a:r>
           </a:p>
           <a:p>

--- a/Ad-Clicked Web-Dataset/Ad-Clicking.pptx
+++ b/Ad-Clicked Web-Dataset/Ad-Clicking.pptx
@@ -4126,7 +4126,7 @@
 <dgm:dataModel xmlns:dgm="http://schemas.openxmlformats.org/drawingml/2006/diagram" xmlns:a="http://schemas.openxmlformats.org/drawingml/2006/main">
   <dgm:ptLst>
     <dgm:pt modelId="{CFFB0AA4-66E0-4A83-A397-F5DB6085C7C8}" type="doc">
-      <dgm:prSet loTypeId="urn:microsoft.com/office/officeart/2005/8/layout/vList2" loCatId="list" qsTypeId="urn:microsoft.com/office/officeart/2005/8/quickstyle/simple4" qsCatId="simple" csTypeId="urn:microsoft.com/office/officeart/2005/8/colors/colorful5" csCatId="colorful"/>
+      <dgm:prSet loTypeId="urn:microsoft.com/office/officeart/2005/8/layout/vList2" loCatId="list" qsTypeId="urn:microsoft.com/office/officeart/2005/8/quickstyle/simple4" qsCatId="simple" csTypeId="urn:microsoft.com/office/officeart/2005/8/colors/colorful5" csCatId="colorful" phldr="1"/>
       <dgm:spPr/>
       <dgm:t>
         <a:bodyPr/>
@@ -4144,8 +4144,8 @@
         <a:lstStyle/>
         <a:p>
           <a:r>
-            <a:rPr lang="en-US"/>
-            <a:t>Age : middle age  will people clicked more on the website, and  user with increasing the age 0.03 less times likely to click on the web Ad. </a:t>
+            <a:rPr lang="en-US" dirty="0"/>
+            <a:t>Age : People in their middle years are more likely to click on a website, and as they get older, they are 0.03 times less likely to click on an online ad.</a:t>
           </a:r>
         </a:p>
       </dgm:t>
@@ -4180,8 +4180,12 @@
         <a:lstStyle/>
         <a:p>
           <a:r>
-            <a:rPr lang="en-US"/>
-            <a:t>Time_Spent: If a user spends more time on the website, then he/she is 1.798 times likely to click on the Ad. Increase in time spent, more likely to click on the web Ad. </a:t>
+            <a:rPr lang="en-US" dirty="0" err="1"/>
+            <a:t>Time_Spent</a:t>
+          </a:r>
+          <a:r>
+            <a:rPr lang="en-US" dirty="0"/>
+            <a:t>: A user who spends more time on a website is 1.798 times more likely to click on an ad. If you spend more time on the internet, you're more likely to click on ads.. </a:t>
           </a:r>
         </a:p>
       </dgm:t>
@@ -4216,8 +4220,12 @@
         <a:lstStyle/>
         <a:p>
           <a:r>
-            <a:rPr lang="en-US"/>
-            <a:t>Avg_Income: With the increase in average income, a user is 0.818 times likely to click on the web Ad. More Avg_Income more likely to click on the web Ad.</a:t>
+            <a:rPr lang="en-US" dirty="0" err="1"/>
+            <a:t>Avg_Income</a:t>
+          </a:r>
+          <a:r>
+            <a:rPr lang="en-US" dirty="0"/>
+            <a:t>: A user's likelihood of clicking on a web ad increases by 0.818 times as their average income rises. Avg Income is more likely to click on a web ad with a higher Avg Income.</a:t>
           </a:r>
         </a:p>
       </dgm:t>
@@ -4252,8 +4260,12 @@
         <a:lstStyle/>
         <a:p>
           <a:r>
-            <a:rPr lang="en-US"/>
-            <a:t>Internet_Usage : If a user uses internet for longer time on the website, then he is 1.961 times likely to click on the Ad. Increase in Internet_Usage, more likely to click on the web Ad.</a:t>
+            <a:rPr lang="en-US" dirty="0" err="1"/>
+            <a:t>Internet_Usage</a:t>
+          </a:r>
+          <a:r>
+            <a:rPr lang="en-US" dirty="0"/>
+            <a:t> : If a user spends more time on a website, he is 1.961 times more likely to click on an advertisement. Increased Internet Usage leads to a higher likelihood of clicking on a web ad.</a:t>
           </a:r>
         </a:p>
       </dgm:t>
@@ -4289,23 +4301,7 @@
         <a:p>
           <a:r>
             <a:rPr lang="en-US" dirty="0"/>
-            <a:t>City_codecity_2: If </a:t>
-          </a:r>
-          <a:r>
-            <a:rPr lang="en-US" dirty="0" err="1"/>
-            <a:t>City_code</a:t>
-          </a:r>
-          <a:r>
-            <a:rPr lang="en-US" dirty="0"/>
-            <a:t> is City_2 then the user is 0.54 times likely to click on the Ad. This implies if the user is of </a:t>
-          </a:r>
-          <a:r>
-            <a:rPr lang="en-US" dirty="0" err="1"/>
-            <a:t>City_code</a:t>
-          </a:r>
-          <a:r>
-            <a:rPr lang="en-US" dirty="0"/>
-            <a:t> : City_2 then he is more likely to click on the web Ad. </a:t>
+            <a:t>City_codecity_2If City code is City 2, the user is 0.54 times more likely to click on the advertisement. This means that if the user's City code is City 2, he is more likely to click on the web advertisement.</a:t>
           </a:r>
         </a:p>
       </dgm:t>
@@ -4439,7 +4435,7 @@
 <dgm:dataModel xmlns:dgm="http://schemas.openxmlformats.org/drawingml/2006/diagram" xmlns:a="http://schemas.openxmlformats.org/drawingml/2006/main">
   <dgm:ptLst>
     <dgm:pt modelId="{C601C415-2A73-4106-9C43-021BED0C1BFE}" type="doc">
-      <dgm:prSet loTypeId="urn:microsoft.com/office/officeart/2005/8/layout/vList2" loCatId="list" qsTypeId="urn:microsoft.com/office/officeart/2005/8/quickstyle/simple2" qsCatId="simple" csTypeId="urn:microsoft.com/office/officeart/2005/8/colors/accent5_2" csCatId="accent5"/>
+      <dgm:prSet loTypeId="urn:microsoft.com/office/officeart/2005/8/layout/vList2" loCatId="list" qsTypeId="urn:microsoft.com/office/officeart/2005/8/quickstyle/simple2" qsCatId="simple" csTypeId="urn:microsoft.com/office/officeart/2005/8/colors/accent5_2" csCatId="accent5" phldr="1"/>
       <dgm:spPr/>
       <dgm:t>
         <a:bodyPr/>
@@ -4457,9 +4453,14 @@
         <a:lstStyle/>
         <a:p>
           <a:r>
+            <a:rPr lang="en-US" dirty="0"/>
+            <a:t>City_codecity_3:The user is 0.891 times more likely to click on the ad if their City code is City 3. </a:t>
+          </a:r>
+          <a:r>
             <a:rPr lang="en-US"/>
-            <a:t>City_codecity_3: If City_code is City_3 then the user is 0.891 times likely to click on the Ad. This implies if the user is of City_code : City_3 then he is more likely to click on the web ad </a:t>
+            <a:t>This suggests that a user with a City code of 3 is more likely to click on a web ad.</a:t>
           </a:r>
+          <a:endParaRPr lang="en-US" dirty="0"/>
         </a:p>
       </dgm:t>
     </dgm:pt>
@@ -4493,16 +4494,16 @@
         <a:lstStyle/>
         <a:p>
           <a:r>
-            <a:rPr lang="en-US"/>
+            <a:rPr lang="en-US" dirty="0"/>
             <a:t>City_codecity_4</a:t>
           </a:r>
           <a:r>
-            <a:rPr lang="en-IN"/>
+            <a:rPr lang="en-IN" dirty="0"/>
             <a:t>:</a:t>
           </a:r>
           <a:r>
-            <a:rPr lang="en-US"/>
-            <a:t> If City_code is City_4 then the user is 0.889 times likely to click on the Ad. This implies if the user is of City_code : City_7 then he is user to click on the web Ad.</a:t>
+            <a:rPr lang="en-US" dirty="0"/>
+            <a:t> The user is 0.889 times more likely to click on the Ad if the City code is City 4. This means that if the user's city code is City 7, he will be able to click on the web advertisement..</a:t>
           </a:r>
         </a:p>
       </dgm:t>
@@ -4537,8 +4538,8 @@
         <a:lstStyle/>
         <a:p>
           <a:r>
-            <a:rPr lang="en-US"/>
-            <a:t>City_codecity_9: If City_code is City_9 then the user is 211.17 times likely to click on the Ad. This implies if the user is of City_code : City_7 has more likely to click on website &amp; most of these city user clicked more than other cities.</a:t>
+            <a:rPr lang="en-US" dirty="0"/>
+            <a:t>City_codecity_9: If the user's City code is City 9, they are 211.17 times more likely to click on the ad. This means that if the user is from City code: City 7, they are more likely to click on the website, and they are more likely to click than users from other cities.</a:t>
           </a:r>
         </a:p>
       </dgm:t>
@@ -4573,10 +4574,14 @@
         <a:lstStyle/>
         <a:p>
           <a:r>
-            <a:rPr lang="en-IN"/>
-            <a:t>Time_PeriodMorning: Has 0.984 times likely to clicked on the Ad. Which is a bit higher than all the time.</a:t>
+            <a:rPr lang="en-IN" dirty="0" err="1"/>
+            <a:t>Time_PeriodMorning</a:t>
           </a:r>
-          <a:endParaRPr lang="en-US"/>
+          <a:r>
+            <a:rPr lang="en-IN" dirty="0"/>
+            <a:t>: Has 0.984 times likely to clicked on the Ad. Which is a bit higher than all the time.</a:t>
+          </a:r>
+          <a:endParaRPr lang="en-US" dirty="0"/>
         </a:p>
       </dgm:t>
     </dgm:pt>
@@ -5796,8 +5801,8 @@
       </dsp:nvSpPr>
       <dsp:spPr>
         <a:xfrm>
-          <a:off x="0" y="97735"/>
-          <a:ext cx="4640729" cy="710774"/>
+          <a:off x="0" y="119672"/>
+          <a:ext cx="4640729" cy="702000"/>
         </a:xfrm>
         <a:prstGeom prst="roundRect">
           <a:avLst/>
@@ -5878,14 +5883,14 @@
             <a:buNone/>
           </a:pPr>
           <a:r>
-            <a:rPr lang="en-US" sz="1200" kern="1200"/>
-            <a:t>Age : middle age  will people clicked more on the website, and  user with increasing the age 0.03 less times likely to click on the web Ad. </a:t>
+            <a:rPr lang="en-US" sz="1200" kern="1200" dirty="0"/>
+            <a:t>Age : People in their middle years are more likely to click on a website, and as they get older, they are 0.03 times less likely to click on an online ad.</a:t>
           </a:r>
         </a:p>
       </dsp:txBody>
       <dsp:txXfrm>
-        <a:off x="34697" y="132432"/>
-        <a:ext cx="4571335" cy="641380"/>
+        <a:off x="34269" y="153941"/>
+        <a:ext cx="4572191" cy="633462"/>
       </dsp:txXfrm>
     </dsp:sp>
     <dsp:sp modelId="{C0EA62AC-2DB0-4561-8B8D-C1E226F5EDE6}">
@@ -5895,8 +5900,8 @@
       </dsp:nvSpPr>
       <dsp:spPr>
         <a:xfrm>
-          <a:off x="0" y="843070"/>
-          <a:ext cx="4640729" cy="710774"/>
+          <a:off x="0" y="856232"/>
+          <a:ext cx="4640729" cy="702000"/>
         </a:xfrm>
         <a:prstGeom prst="roundRect">
           <a:avLst/>
@@ -5977,14 +5982,18 @@
             <a:buNone/>
           </a:pPr>
           <a:r>
-            <a:rPr lang="en-US" sz="1200" kern="1200"/>
-            <a:t>Time_Spent: If a user spends more time on the website, then he/she is 1.798 times likely to click on the Ad. Increase in time spent, more likely to click on the web Ad. </a:t>
+            <a:rPr lang="en-US" sz="1200" kern="1200" dirty="0" err="1"/>
+            <a:t>Time_Spent</a:t>
+          </a:r>
+          <a:r>
+            <a:rPr lang="en-US" sz="1200" kern="1200" dirty="0"/>
+            <a:t>: A user who spends more time on a website is 1.798 times more likely to click on an ad. If you spend more time on the internet, you're more likely to click on ads.. </a:t>
           </a:r>
         </a:p>
       </dsp:txBody>
       <dsp:txXfrm>
-        <a:off x="34697" y="877767"/>
-        <a:ext cx="4571335" cy="641380"/>
+        <a:off x="34269" y="890501"/>
+        <a:ext cx="4572191" cy="633462"/>
       </dsp:txXfrm>
     </dsp:sp>
     <dsp:sp modelId="{23634DA0-B653-4E78-A1D4-9D45E46477FA}">
@@ -5994,8 +6003,8 @@
       </dsp:nvSpPr>
       <dsp:spPr>
         <a:xfrm>
-          <a:off x="0" y="1588405"/>
-          <a:ext cx="4640729" cy="710774"/>
+          <a:off x="0" y="1592792"/>
+          <a:ext cx="4640729" cy="702000"/>
         </a:xfrm>
         <a:prstGeom prst="roundRect">
           <a:avLst/>
@@ -6076,14 +6085,18 @@
             <a:buNone/>
           </a:pPr>
           <a:r>
-            <a:rPr lang="en-US" sz="1200" kern="1200"/>
-            <a:t>Avg_Income: With the increase in average income, a user is 0.818 times likely to click on the web Ad. More Avg_Income more likely to click on the web Ad.</a:t>
+            <a:rPr lang="en-US" sz="1200" kern="1200" dirty="0" err="1"/>
+            <a:t>Avg_Income</a:t>
+          </a:r>
+          <a:r>
+            <a:rPr lang="en-US" sz="1200" kern="1200" dirty="0"/>
+            <a:t>: A user's likelihood of clicking on a web ad increases by 0.818 times as their average income rises. Avg Income is more likely to click on a web ad with a higher Avg Income.</a:t>
           </a:r>
         </a:p>
       </dsp:txBody>
       <dsp:txXfrm>
-        <a:off x="34697" y="1623102"/>
-        <a:ext cx="4571335" cy="641380"/>
+        <a:off x="34269" y="1627061"/>
+        <a:ext cx="4572191" cy="633462"/>
       </dsp:txXfrm>
     </dsp:sp>
     <dsp:sp modelId="{673DBFD8-4F9E-4563-BBCB-997D23245CA9}">
@@ -6093,8 +6106,8 @@
       </dsp:nvSpPr>
       <dsp:spPr>
         <a:xfrm>
-          <a:off x="0" y="2333740"/>
-          <a:ext cx="4640729" cy="710774"/>
+          <a:off x="0" y="2329352"/>
+          <a:ext cx="4640729" cy="702000"/>
         </a:xfrm>
         <a:prstGeom prst="roundRect">
           <a:avLst/>
@@ -6175,14 +6188,18 @@
             <a:buNone/>
           </a:pPr>
           <a:r>
-            <a:rPr lang="en-US" sz="1200" kern="1200"/>
-            <a:t>Internet_Usage : If a user uses internet for longer time on the website, then he is 1.961 times likely to click on the Ad. Increase in Internet_Usage, more likely to click on the web Ad.</a:t>
+            <a:rPr lang="en-US" sz="1200" kern="1200" dirty="0" err="1"/>
+            <a:t>Internet_Usage</a:t>
+          </a:r>
+          <a:r>
+            <a:rPr lang="en-US" sz="1200" kern="1200" dirty="0"/>
+            <a:t> : If a user spends more time on a website, he is 1.961 times more likely to click on an advertisement. Increased Internet Usage leads to a higher likelihood of clicking on a web ad.</a:t>
           </a:r>
         </a:p>
       </dsp:txBody>
       <dsp:txXfrm>
-        <a:off x="34697" y="2368437"/>
-        <a:ext cx="4571335" cy="641380"/>
+        <a:off x="34269" y="2363621"/>
+        <a:ext cx="4572191" cy="633462"/>
       </dsp:txXfrm>
     </dsp:sp>
     <dsp:sp modelId="{67F8994D-2229-4690-9A8A-FD3262FA4504}">
@@ -6192,8 +6209,8 @@
       </dsp:nvSpPr>
       <dsp:spPr>
         <a:xfrm>
-          <a:off x="0" y="3079074"/>
-          <a:ext cx="4640729" cy="710774"/>
+          <a:off x="0" y="3065912"/>
+          <a:ext cx="4640729" cy="702000"/>
         </a:xfrm>
         <a:prstGeom prst="roundRect">
           <a:avLst/>
@@ -6275,29 +6292,13 @@
           </a:pPr>
           <a:r>
             <a:rPr lang="en-US" sz="1200" kern="1200" dirty="0"/>
-            <a:t>City_codecity_2: If </a:t>
-          </a:r>
-          <a:r>
-            <a:rPr lang="en-US" sz="1200" kern="1200" dirty="0" err="1"/>
-            <a:t>City_code</a:t>
-          </a:r>
-          <a:r>
-            <a:rPr lang="en-US" sz="1200" kern="1200" dirty="0"/>
-            <a:t> is City_2 then the user is 0.54 times likely to click on the Ad. This implies if the user is of </a:t>
-          </a:r>
-          <a:r>
-            <a:rPr lang="en-US" sz="1200" kern="1200" dirty="0" err="1"/>
-            <a:t>City_code</a:t>
-          </a:r>
-          <a:r>
-            <a:rPr lang="en-US" sz="1200" kern="1200" dirty="0"/>
-            <a:t> : City_2 then he is more likely to click on the web Ad. </a:t>
+            <a:t>City_codecity_2If City code is City 2, the user is 0.54 times more likely to click on the advertisement. This means that if the user's City code is City 2, he is more likely to click on the web advertisement.</a:t>
           </a:r>
         </a:p>
       </dsp:txBody>
       <dsp:txXfrm>
-        <a:off x="34697" y="3113771"/>
-        <a:ext cx="4571335" cy="641380"/>
+        <a:off x="34269" y="3100181"/>
+        <a:ext cx="4572191" cy="633462"/>
       </dsp:txXfrm>
     </dsp:sp>
   </dsp:spTree>
@@ -6380,9 +6381,14 @@
             <a:buNone/>
           </a:pPr>
           <a:r>
+            <a:rPr lang="en-US" sz="1200" kern="1200" dirty="0"/>
+            <a:t>City_codecity_3:The user is 0.891 times more likely to click on the ad if their City code is City 3. </a:t>
+          </a:r>
+          <a:r>
             <a:rPr lang="en-US" sz="1200" kern="1200"/>
-            <a:t>City_codecity_3: If City_code is City_3 then the user is 0.891 times likely to click on the Ad. This implies if the user is of City_code : City_3 then he is more likely to click on the web ad </a:t>
+            <a:t>This suggests that a user with a City code of 3 is more likely to click on a web ad.</a:t>
           </a:r>
+          <a:endParaRPr lang="en-US" sz="1200" kern="1200" dirty="0"/>
         </a:p>
       </dsp:txBody>
       <dsp:txXfrm>
@@ -6458,16 +6464,16 @@
             <a:buNone/>
           </a:pPr>
           <a:r>
-            <a:rPr lang="en-US" sz="1200" kern="1200"/>
+            <a:rPr lang="en-US" sz="1200" kern="1200" dirty="0"/>
             <a:t>City_codecity_4</a:t>
           </a:r>
           <a:r>
-            <a:rPr lang="en-IN" sz="1200" kern="1200"/>
+            <a:rPr lang="en-IN" sz="1200" kern="1200" dirty="0"/>
             <a:t>:</a:t>
           </a:r>
           <a:r>
-            <a:rPr lang="en-US" sz="1200" kern="1200"/>
-            <a:t> If City_code is City_4 then the user is 0.889 times likely to click on the Ad. This implies if the user is of City_code : City_7 then he is user to click on the web Ad.</a:t>
+            <a:rPr lang="en-US" sz="1200" kern="1200" dirty="0"/>
+            <a:t> The user is 0.889 times more likely to click on the Ad if the City code is City 4. This means that if the user's city code is City 7, he will be able to click on the web advertisement..</a:t>
           </a:r>
         </a:p>
       </dsp:txBody>
@@ -6544,8 +6550,8 @@
             <a:buNone/>
           </a:pPr>
           <a:r>
-            <a:rPr lang="en-US" sz="1200" kern="1200"/>
-            <a:t>City_codecity_9: If City_code is City_9 then the user is 211.17 times likely to click on the Ad. This implies if the user is of City_code : City_7 has more likely to click on website &amp; most of these city user clicked more than other cities.</a:t>
+            <a:rPr lang="en-US" sz="1200" kern="1200" dirty="0"/>
+            <a:t>City_codecity_9: If the user's City code is City 9, they are 211.17 times more likely to click on the ad. This means that if the user is from City code: City 7, they are more likely to click on the website, and they are more likely to click than users from other cities.</a:t>
           </a:r>
         </a:p>
       </dsp:txBody>
@@ -6622,10 +6628,14 @@
             <a:buNone/>
           </a:pPr>
           <a:r>
-            <a:rPr lang="en-IN" sz="1200" kern="1200"/>
-            <a:t>Time_PeriodMorning: Has 0.984 times likely to clicked on the Ad. Which is a bit higher than all the time.</a:t>
+            <a:rPr lang="en-IN" sz="1200" kern="1200" dirty="0" err="1"/>
+            <a:t>Time_PeriodMorning</a:t>
           </a:r>
-          <a:endParaRPr lang="en-US" sz="1200" kern="1200"/>
+          <a:r>
+            <a:rPr lang="en-IN" sz="1200" kern="1200" dirty="0"/>
+            <a:t>: Has 0.984 times likely to clicked on the Ad. Which is a bit higher than all the time.</a:t>
+          </a:r>
+          <a:endParaRPr lang="en-US" sz="1200" kern="1200" dirty="0"/>
         </a:p>
       </dsp:txBody>
       <dsp:txXfrm>
@@ -22311,24 +22321,21 @@
           <a:lstStyle/>
           <a:p>
             <a:r>
-              <a:rPr lang="en-IN" dirty="0"/>
-              <a:t>Maximum Likelihood Estimation Technique  Estimation of parameters in logistic regression is carried out using Maximum Likelihood Estimation (MLE) technique</a:t>
+              <a:rPr lang="en-US" dirty="0"/>
+              <a:t>Technique of Maximum Likelihood Estimation The Maximum Likelihood Estimation (MLE) technique is used to estimate parameters in logistic regression.</a:t>
             </a:r>
           </a:p>
           <a:p>
             <a:r>
               <a:rPr lang="en-US" dirty="0"/>
-              <a:t>The dataset is split into 70%(4660 obs.) training dataset and 30%(1997 obs.) test dataset. </a:t>
+              <a:t>The dataset is divided into two parts: a training dataset (4660 obs.) and a test dataset (1997 obs.).</a:t>
             </a:r>
           </a:p>
           <a:p>
             <a:r>
               <a:rPr lang="en-US" dirty="0"/>
-              <a:t>Then we will be removing the insignificant variable based on high p-value from the training dataset one by one to build our training model.</a:t>
+              <a:t>Then, one by one, we will remove inconsequential variables from the training dataset based on high p-values in order to develop our training model.</a:t>
             </a:r>
-            <a:endParaRPr lang="en-IN" dirty="0"/>
-          </a:p>
-          <a:p>
             <a:endParaRPr lang="en-IN" dirty="0"/>
           </a:p>
           <a:p>
@@ -23362,13 +23369,13 @@
           <a:lstStyle/>
           <a:p>
             <a:r>
-              <a:rPr lang="en-IN" sz="3100"/>
+              <a:rPr lang="en-IN" sz="3100" dirty="0"/>
               <a:t>Hypothesis Interpretation</a:t>
             </a:r>
             <a:br>
-              <a:rPr lang="en-IN" sz="3100"/>
+              <a:rPr lang="en-IN" sz="3100" dirty="0"/>
             </a:br>
-            <a:endParaRPr lang="en-IN" sz="3100"/>
+            <a:endParaRPr lang="en-IN" sz="3100" dirty="0"/>
           </a:p>
         </p:txBody>
       </p:sp>
@@ -23422,7 +23429,7 @@
           <p:nvPr>
             <p:extLst>
               <p:ext uri="{D42A27DB-BD31-4B8C-83A1-F6EECF244321}">
-                <p14:modId xmlns:p14="http://schemas.microsoft.com/office/powerpoint/2010/main" val="2721284233"/>
+                <p14:modId xmlns:p14="http://schemas.microsoft.com/office/powerpoint/2010/main" val="3010362706"/>
               </p:ext>
             </p:extLst>
           </p:nvPr>
@@ -23849,7 +23856,7 @@
             <p:ph idx="1"/>
             <p:extLst>
               <p:ext uri="{D42A27DB-BD31-4B8C-83A1-F6EECF244321}">
-                <p14:modId xmlns:p14="http://schemas.microsoft.com/office/powerpoint/2010/main" val="1093246015"/>
+                <p14:modId xmlns:p14="http://schemas.microsoft.com/office/powerpoint/2010/main" val="4150282222"/>
               </p:ext>
             </p:extLst>
           </p:nvPr>

--- a/Ad-Clicked Web-Dataset/Ad-Clicking.pptx
+++ b/Ad-Clicked Web-Dataset/Ad-Clicking.pptx
@@ -4454,13 +4454,8 @@
         <a:p>
           <a:r>
             <a:rPr lang="en-US" dirty="0"/>
-            <a:t>City_codecity_3:The user is 0.891 times more likely to click on the ad if their City code is City 3. </a:t>
+            <a:t>City_codecity_3:The user is 0.891 times more likely to click on the ad if their City code is City 3. This suggests that a user with a City code of 3 is more likely to click on a web ad.</a:t>
           </a:r>
-          <a:r>
-            <a:rPr lang="en-US"/>
-            <a:t>This suggests that a user with a City code of 3 is more likely to click on a web ad.</a:t>
-          </a:r>
-          <a:endParaRPr lang="en-US" dirty="0"/>
         </a:p>
       </dgm:t>
     </dgm:pt>
@@ -4539,7 +4534,13 @@
         <a:p>
           <a:r>
             <a:rPr lang="en-US" dirty="0"/>
-            <a:t>City_codecity_9: If the user's City code is City 9, they are 211.17 times more likely to click on the ad. This means that if the user is from City code: City 7, they are more likely to click on the website, and they are more likely to click than users from other cities.</a:t>
+            <a:t>City_codecity_9: If the user's City code is City 9, they are 11.17 times more likely to click on the ad. This means that if the user is from City </a:t>
+          </a:r>
+        </a:p>
+        <a:p>
+          <a:r>
+            <a:rPr lang="en-US" dirty="0"/>
+            <a:t>code: City 9, they are more likely to click on the website, and they are more likely to click than users from other cities.</a:t>
           </a:r>
         </a:p>
       </dgm:t>
@@ -6320,8 +6321,8 @@
       </dsp:nvSpPr>
       <dsp:spPr>
         <a:xfrm>
-          <a:off x="0" y="93077"/>
-          <a:ext cx="4640729" cy="899437"/>
+          <a:off x="0" y="86428"/>
+          <a:ext cx="4640729" cy="904921"/>
         </a:xfrm>
         <a:prstGeom prst="roundRect">
           <a:avLst/>
@@ -6363,12 +6364,12 @@
         </a:fontRef>
       </dsp:style>
       <dsp:txBody>
-        <a:bodyPr spcFirstLastPara="0" vert="horz" wrap="square" lIns="45720" tIns="45720" rIns="45720" bIns="45720" numCol="1" spcCol="1270" anchor="ctr" anchorCtr="0">
+        <a:bodyPr spcFirstLastPara="0" vert="horz" wrap="square" lIns="41910" tIns="41910" rIns="41910" bIns="41910" numCol="1" spcCol="1270" anchor="ctr" anchorCtr="0">
           <a:noAutofit/>
         </a:bodyPr>
         <a:lstStyle/>
         <a:p>
-          <a:pPr marL="0" lvl="0" indent="0" algn="l" defTabSz="533400">
+          <a:pPr marL="0" lvl="0" indent="0" algn="l" defTabSz="488950">
             <a:lnSpc>
               <a:spcPct val="90000"/>
             </a:lnSpc>
@@ -6381,19 +6382,14 @@
             <a:buNone/>
           </a:pPr>
           <a:r>
-            <a:rPr lang="en-US" sz="1200" kern="1200" dirty="0"/>
-            <a:t>City_codecity_3:The user is 0.891 times more likely to click on the ad if their City code is City 3. </a:t>
+            <a:rPr lang="en-US" sz="1100" kern="1200" dirty="0"/>
+            <a:t>City_codecity_3:The user is 0.891 times more likely to click on the ad if their City code is City 3. This suggests that a user with a City code of 3 is more likely to click on a web ad.</a:t>
           </a:r>
-          <a:r>
-            <a:rPr lang="en-US" sz="1200" kern="1200"/>
-            <a:t>This suggests that a user with a City code of 3 is more likely to click on a web ad.</a:t>
-          </a:r>
-          <a:endParaRPr lang="en-US" sz="1200" kern="1200" dirty="0"/>
         </a:p>
       </dsp:txBody>
       <dsp:txXfrm>
-        <a:off x="43907" y="136984"/>
-        <a:ext cx="4552915" cy="811623"/>
+        <a:off x="44175" y="130603"/>
+        <a:ext cx="4552379" cy="816571"/>
       </dsp:txXfrm>
     </dsp:sp>
     <dsp:sp modelId="{035DAD3C-F3C7-48E0-8F8B-A53F2EE7CA4A}">
@@ -6403,8 +6399,8 @@
       </dsp:nvSpPr>
       <dsp:spPr>
         <a:xfrm>
-          <a:off x="0" y="1027075"/>
-          <a:ext cx="4640729" cy="899437"/>
+          <a:off x="0" y="1023030"/>
+          <a:ext cx="4640729" cy="904921"/>
         </a:xfrm>
         <a:prstGeom prst="roundRect">
           <a:avLst/>
@@ -6446,12 +6442,12 @@
         </a:fontRef>
       </dsp:style>
       <dsp:txBody>
-        <a:bodyPr spcFirstLastPara="0" vert="horz" wrap="square" lIns="45720" tIns="45720" rIns="45720" bIns="45720" numCol="1" spcCol="1270" anchor="ctr" anchorCtr="0">
+        <a:bodyPr spcFirstLastPara="0" vert="horz" wrap="square" lIns="41910" tIns="41910" rIns="41910" bIns="41910" numCol="1" spcCol="1270" anchor="ctr" anchorCtr="0">
           <a:noAutofit/>
         </a:bodyPr>
         <a:lstStyle/>
         <a:p>
-          <a:pPr marL="0" lvl="0" indent="0" algn="l" defTabSz="533400">
+          <a:pPr marL="0" lvl="0" indent="0" algn="l" defTabSz="488950">
             <a:lnSpc>
               <a:spcPct val="90000"/>
             </a:lnSpc>
@@ -6464,22 +6460,22 @@
             <a:buNone/>
           </a:pPr>
           <a:r>
-            <a:rPr lang="en-US" sz="1200" kern="1200" dirty="0"/>
+            <a:rPr lang="en-US" sz="1100" kern="1200" dirty="0"/>
             <a:t>City_codecity_4</a:t>
           </a:r>
           <a:r>
-            <a:rPr lang="en-IN" sz="1200" kern="1200" dirty="0"/>
+            <a:rPr lang="en-IN" sz="1100" kern="1200" dirty="0"/>
             <a:t>:</a:t>
           </a:r>
           <a:r>
-            <a:rPr lang="en-US" sz="1200" kern="1200" dirty="0"/>
+            <a:rPr lang="en-US" sz="1100" kern="1200" dirty="0"/>
             <a:t> The user is 0.889 times more likely to click on the Ad if the City code is City 4. This means that if the user's city code is City 7, he will be able to click on the web advertisement..</a:t>
           </a:r>
         </a:p>
       </dsp:txBody>
       <dsp:txXfrm>
-        <a:off x="43907" y="1070982"/>
-        <a:ext cx="4552915" cy="811623"/>
+        <a:off x="44175" y="1067205"/>
+        <a:ext cx="4552379" cy="816571"/>
       </dsp:txXfrm>
     </dsp:sp>
     <dsp:sp modelId="{8546EC51-7922-47B0-9E3D-26C03575A6E2}">
@@ -6489,8 +6485,8 @@
       </dsp:nvSpPr>
       <dsp:spPr>
         <a:xfrm>
-          <a:off x="0" y="1961072"/>
-          <a:ext cx="4640729" cy="899437"/>
+          <a:off x="0" y="1959632"/>
+          <a:ext cx="4640729" cy="904921"/>
         </a:xfrm>
         <a:prstGeom prst="roundRect">
           <a:avLst/>
@@ -6532,12 +6528,12 @@
         </a:fontRef>
       </dsp:style>
       <dsp:txBody>
-        <a:bodyPr spcFirstLastPara="0" vert="horz" wrap="square" lIns="45720" tIns="45720" rIns="45720" bIns="45720" numCol="1" spcCol="1270" anchor="ctr" anchorCtr="0">
+        <a:bodyPr spcFirstLastPara="0" vert="horz" wrap="square" lIns="41910" tIns="41910" rIns="41910" bIns="41910" numCol="1" spcCol="1270" anchor="ctr" anchorCtr="0">
           <a:noAutofit/>
         </a:bodyPr>
         <a:lstStyle/>
         <a:p>
-          <a:pPr marL="0" lvl="0" indent="0" algn="l" defTabSz="533400">
+          <a:pPr marL="0" lvl="0" indent="0" algn="l" defTabSz="488950">
             <a:lnSpc>
               <a:spcPct val="90000"/>
             </a:lnSpc>
@@ -6550,14 +6546,32 @@
             <a:buNone/>
           </a:pPr>
           <a:r>
-            <a:rPr lang="en-US" sz="1200" kern="1200" dirty="0"/>
-            <a:t>City_codecity_9: If the user's City code is City 9, they are 211.17 times more likely to click on the ad. This means that if the user is from City code: City 7, they are more likely to click on the website, and they are more likely to click than users from other cities.</a:t>
+            <a:rPr lang="en-US" sz="1100" kern="1200" dirty="0"/>
+            <a:t>City_codecity_9: If the user's City code is City 9, they are 11.17 times more likely to click on the ad. This means that if the user is from City </a:t>
+          </a:r>
+        </a:p>
+        <a:p>
+          <a:pPr marL="0" lvl="0" indent="0" algn="l" defTabSz="488950">
+            <a:lnSpc>
+              <a:spcPct val="90000"/>
+            </a:lnSpc>
+            <a:spcBef>
+              <a:spcPct val="0"/>
+            </a:spcBef>
+            <a:spcAft>
+              <a:spcPct val="35000"/>
+            </a:spcAft>
+            <a:buNone/>
+          </a:pPr>
+          <a:r>
+            <a:rPr lang="en-US" sz="1100" kern="1200" dirty="0"/>
+            <a:t>code: City 9, they are more likely to click on the website, and they are more likely to click than users from other cities.</a:t>
           </a:r>
         </a:p>
       </dsp:txBody>
       <dsp:txXfrm>
-        <a:off x="43907" y="2004979"/>
-        <a:ext cx="4552915" cy="811623"/>
+        <a:off x="44175" y="2003807"/>
+        <a:ext cx="4552379" cy="816571"/>
       </dsp:txXfrm>
     </dsp:sp>
     <dsp:sp modelId="{853AEFB7-D4AC-42B7-B14E-1B59079CEAD4}">
@@ -6567,8 +6581,8 @@
       </dsp:nvSpPr>
       <dsp:spPr>
         <a:xfrm>
-          <a:off x="0" y="2895070"/>
-          <a:ext cx="4640729" cy="899437"/>
+          <a:off x="0" y="2896234"/>
+          <a:ext cx="4640729" cy="904921"/>
         </a:xfrm>
         <a:prstGeom prst="roundRect">
           <a:avLst/>
@@ -6610,12 +6624,12 @@
         </a:fontRef>
       </dsp:style>
       <dsp:txBody>
-        <a:bodyPr spcFirstLastPara="0" vert="horz" wrap="square" lIns="45720" tIns="45720" rIns="45720" bIns="45720" numCol="1" spcCol="1270" anchor="ctr" anchorCtr="0">
+        <a:bodyPr spcFirstLastPara="0" vert="horz" wrap="square" lIns="41910" tIns="41910" rIns="41910" bIns="41910" numCol="1" spcCol="1270" anchor="ctr" anchorCtr="0">
           <a:noAutofit/>
         </a:bodyPr>
         <a:lstStyle/>
         <a:p>
-          <a:pPr marL="0" lvl="0" indent="0" algn="l" defTabSz="533400">
+          <a:pPr marL="0" lvl="0" indent="0" algn="l" defTabSz="488950">
             <a:lnSpc>
               <a:spcPct val="90000"/>
             </a:lnSpc>
@@ -6628,19 +6642,19 @@
             <a:buNone/>
           </a:pPr>
           <a:r>
-            <a:rPr lang="en-IN" sz="1200" kern="1200" dirty="0" err="1"/>
+            <a:rPr lang="en-IN" sz="1100" kern="1200" dirty="0" err="1"/>
             <a:t>Time_PeriodMorning</a:t>
           </a:r>
           <a:r>
-            <a:rPr lang="en-IN" sz="1200" kern="1200" dirty="0"/>
+            <a:rPr lang="en-IN" sz="1100" kern="1200" dirty="0"/>
             <a:t>: Has 0.984 times likely to clicked on the Ad. Which is a bit higher than all the time.</a:t>
           </a:r>
-          <a:endParaRPr lang="en-US" sz="1200" kern="1200" dirty="0"/>
+          <a:endParaRPr lang="en-US" sz="1100" kern="1200" dirty="0"/>
         </a:p>
       </dsp:txBody>
       <dsp:txXfrm>
-        <a:off x="43907" y="2938977"/>
-        <a:ext cx="4552915" cy="811623"/>
+        <a:off x="44175" y="2940409"/>
+        <a:ext cx="4552379" cy="816571"/>
       </dsp:txXfrm>
     </dsp:sp>
   </dsp:spTree>
@@ -22334,7 +22348,7 @@
           <a:p>
             <a:r>
               <a:rPr lang="en-US" dirty="0"/>
-              <a:t>Then, one by one, we will remove inconsequential variables from the training dataset based on high p-values in order to develop our training model.</a:t>
+              <a:t>Then, one by one, we will remove inconsequential variables from the training dataset based on high p-values in order to develop our final model.</a:t>
             </a:r>
             <a:endParaRPr lang="en-IN" dirty="0"/>
           </a:p>
@@ -23369,8 +23383,8 @@
           <a:lstStyle/>
           <a:p>
             <a:r>
-              <a:rPr lang="en-IN" sz="3100" dirty="0"/>
-              <a:t>Hypothesis Interpretation</a:t>
+              <a:rPr lang="en-IN" sz="3100"/>
+              <a:t>Interpretation</a:t>
             </a:r>
             <a:br>
               <a:rPr lang="en-IN" sz="3100" dirty="0"/>
@@ -23792,16 +23806,16 @@
           <a:lstStyle/>
           <a:p>
             <a:r>
-              <a:rPr lang="en-IN" sz="2800"/>
-              <a:t>Hypothesis Interpretation</a:t>
+              <a:rPr lang="en-IN" sz="2800" dirty="0"/>
+              <a:t>Interpretation</a:t>
             </a:r>
             <a:br>
-              <a:rPr lang="en-IN" sz="2800"/>
+              <a:rPr lang="en-IN" sz="2800" dirty="0"/>
             </a:br>
             <a:br>
-              <a:rPr lang="en-IN" sz="2800"/>
+              <a:rPr lang="en-IN" sz="2800" dirty="0"/>
             </a:br>
-            <a:endParaRPr lang="en-IN" sz="2800"/>
+            <a:endParaRPr lang="en-IN" sz="2800" dirty="0"/>
           </a:p>
         </p:txBody>
       </p:sp>
@@ -23856,7 +23870,7 @@
             <p:ph idx="1"/>
             <p:extLst>
               <p:ext uri="{D42A27DB-BD31-4B8C-83A1-F6EECF244321}">
-                <p14:modId xmlns:p14="http://schemas.microsoft.com/office/powerpoint/2010/main" val="4150282222"/>
+                <p14:modId xmlns:p14="http://schemas.microsoft.com/office/powerpoint/2010/main" val="1858836966"/>
               </p:ext>
             </p:extLst>
           </p:nvPr>
